--- a/Abstract Factory DB.pptx
+++ b/Abstract Factory DB.pptx
@@ -6,26 +6,28 @@
     <p:sldMasterId id="2147483769" r:id="rId2"/>
   </p:sldMasterIdLst>
   <p:notesMasterIdLst>
-    <p:notesMasterId r:id="rId20"/>
+    <p:notesMasterId r:id="rId22"/>
   </p:notesMasterIdLst>
   <p:sldIdLst>
     <p:sldId id="256" r:id="rId3"/>
     <p:sldId id="259" r:id="rId4"/>
-    <p:sldId id="260" r:id="rId5"/>
-    <p:sldId id="276" r:id="rId6"/>
-    <p:sldId id="277" r:id="rId7"/>
-    <p:sldId id="261" r:id="rId8"/>
-    <p:sldId id="272" r:id="rId9"/>
-    <p:sldId id="273" r:id="rId10"/>
-    <p:sldId id="268" r:id="rId11"/>
-    <p:sldId id="274" r:id="rId12"/>
-    <p:sldId id="278" r:id="rId13"/>
-    <p:sldId id="279" r:id="rId14"/>
-    <p:sldId id="280" r:id="rId15"/>
-    <p:sldId id="281" r:id="rId16"/>
-    <p:sldId id="282" r:id="rId17"/>
-    <p:sldId id="283" r:id="rId18"/>
-    <p:sldId id="284" r:id="rId19"/>
+    <p:sldId id="285" r:id="rId5"/>
+    <p:sldId id="260" r:id="rId6"/>
+    <p:sldId id="276" r:id="rId7"/>
+    <p:sldId id="277" r:id="rId8"/>
+    <p:sldId id="261" r:id="rId9"/>
+    <p:sldId id="272" r:id="rId10"/>
+    <p:sldId id="273" r:id="rId11"/>
+    <p:sldId id="268" r:id="rId12"/>
+    <p:sldId id="274" r:id="rId13"/>
+    <p:sldId id="278" r:id="rId14"/>
+    <p:sldId id="279" r:id="rId15"/>
+    <p:sldId id="280" r:id="rId16"/>
+    <p:sldId id="281" r:id="rId17"/>
+    <p:sldId id="282" r:id="rId18"/>
+    <p:sldId id="283" r:id="rId19"/>
+    <p:sldId id="284" r:id="rId20"/>
+    <p:sldId id="286" r:id="rId21"/>
   </p:sldIdLst>
   <p:sldSz cx="9144000" cy="6858000" type="screen4x3"/>
   <p:notesSz cx="6858000" cy="9144000"/>
@@ -987,7 +989,7 @@
       </p:grpSpPr>
       <p:sp>
         <p:nvSpPr>
-          <p:cNvPr id="31746" name="Rectangle 7"/>
+          <p:cNvPr id="30722" name="Rectangle 7"/>
           <p:cNvSpPr>
             <a:spLocks noGrp="1" noChangeArrowheads="1"/>
           </p:cNvSpPr>
@@ -1100,7 +1102,7 @@
           </a:lstStyle>
           <a:p>
             <a:pPr eaLnBrk="1" hangingPunct="1"/>
-            <a:fld id="{8AFB38D9-A205-4CEC-A6EF-81E5C2F1115D}" type="slidenum">
+            <a:fld id="{9A9EBB47-8B5A-455D-82F8-19875C92BC65}" type="slidenum">
               <a:rPr lang="en-GB" altLang="sr-Latn-RS" sz="1200"/>
               <a:pPr eaLnBrk="1" hangingPunct="1"/>
               <a:t>3</a:t>
@@ -1111,7 +1113,7 @@
       </p:sp>
       <p:sp>
         <p:nvSpPr>
-          <p:cNvPr id="31747" name="Rectangle 2"/>
+          <p:cNvPr id="30723" name="Rectangle 2"/>
           <p:cNvSpPr>
             <a:spLocks noGrp="1" noRot="1" noChangeAspect="1" noChangeArrowheads="1" noTextEdit="1"/>
           </p:cNvSpPr>
@@ -1125,7 +1127,7 @@
       </p:sp>
       <p:sp>
         <p:nvSpPr>
-          <p:cNvPr id="31748" name="Rectangle 3"/>
+          <p:cNvPr id="30724" name="Rectangle 3"/>
           <p:cNvSpPr>
             <a:spLocks noGrp="1" noChangeArrowheads="1"/>
           </p:cNvSpPr>
@@ -1148,7 +1150,7 @@
     </p:spTree>
     <p:extLst>
       <p:ext uri="{BB962C8B-B14F-4D97-AF65-F5344CB8AC3E}">
-        <p14:creationId xmlns:p14="http://schemas.microsoft.com/office/powerpoint/2010/main" val="3114506805"/>
+        <p14:creationId xmlns:p14="http://schemas.microsoft.com/office/powerpoint/2010/main" val="3035786584"/>
       </p:ext>
     </p:extLst>
   </p:cSld>
@@ -1338,7 +1340,7 @@
     </p:spTree>
     <p:extLst>
       <p:ext uri="{BB962C8B-B14F-4D97-AF65-F5344CB8AC3E}">
-        <p14:creationId xmlns:p14="http://schemas.microsoft.com/office/powerpoint/2010/main" val="3349567257"/>
+        <p14:creationId xmlns:p14="http://schemas.microsoft.com/office/powerpoint/2010/main" val="3114506805"/>
       </p:ext>
     </p:extLst>
   </p:cSld>
@@ -1528,7 +1530,7 @@
     </p:spTree>
     <p:extLst>
       <p:ext uri="{BB962C8B-B14F-4D97-AF65-F5344CB8AC3E}">
-        <p14:creationId xmlns:p14="http://schemas.microsoft.com/office/powerpoint/2010/main" val="4003847741"/>
+        <p14:creationId xmlns:p14="http://schemas.microsoft.com/office/powerpoint/2010/main" val="3349567257"/>
       </p:ext>
     </p:extLst>
   </p:cSld>
@@ -1557,7 +1559,7 @@
       </p:grpSpPr>
       <p:sp>
         <p:nvSpPr>
-          <p:cNvPr id="32770" name="Rectangle 7"/>
+          <p:cNvPr id="31746" name="Rectangle 7"/>
           <p:cNvSpPr>
             <a:spLocks noGrp="1" noChangeArrowheads="1"/>
           </p:cNvSpPr>
@@ -1670,10 +1672,200 @@
           </a:lstStyle>
           <a:p>
             <a:pPr eaLnBrk="1" hangingPunct="1"/>
+            <a:fld id="{8AFB38D9-A205-4CEC-A6EF-81E5C2F1115D}" type="slidenum">
+              <a:rPr lang="en-GB" altLang="sr-Latn-RS" sz="1200"/>
+              <a:pPr eaLnBrk="1" hangingPunct="1"/>
+              <a:t>6</a:t>
+            </a:fld>
+            <a:endParaRPr lang="en-GB" altLang="sr-Latn-RS" sz="1200"/>
+          </a:p>
+        </p:txBody>
+      </p:sp>
+      <p:sp>
+        <p:nvSpPr>
+          <p:cNvPr id="31747" name="Rectangle 2"/>
+          <p:cNvSpPr>
+            <a:spLocks noGrp="1" noRot="1" noChangeAspect="1" noChangeArrowheads="1" noTextEdit="1"/>
+          </p:cNvSpPr>
+          <p:nvPr>
+            <p:ph type="sldImg"/>
+          </p:nvPr>
+        </p:nvSpPr>
+        <p:spPr>
+          <a:ln/>
+        </p:spPr>
+      </p:sp>
+      <p:sp>
+        <p:nvSpPr>
+          <p:cNvPr id="31748" name="Rectangle 3"/>
+          <p:cNvSpPr>
+            <a:spLocks noGrp="1" noChangeArrowheads="1"/>
+          </p:cNvSpPr>
+          <p:nvPr>
+            <p:ph type="body" idx="1"/>
+          </p:nvPr>
+        </p:nvSpPr>
+        <p:spPr>
+          <a:noFill/>
+        </p:spPr>
+        <p:txBody>
+          <a:bodyPr/>
+          <a:lstStyle/>
+          <a:p>
+            <a:pPr eaLnBrk="1" hangingPunct="1"/>
+            <a:endParaRPr lang="sr-Latn-RS" altLang="sr-Latn-RS" smtClean="0"/>
+          </a:p>
+        </p:txBody>
+      </p:sp>
+    </p:spTree>
+    <p:extLst>
+      <p:ext uri="{BB962C8B-B14F-4D97-AF65-F5344CB8AC3E}">
+        <p14:creationId xmlns:p14="http://schemas.microsoft.com/office/powerpoint/2010/main" val="4003847741"/>
+      </p:ext>
+    </p:extLst>
+  </p:cSld>
+  <p:clrMapOvr>
+    <a:masterClrMapping/>
+  </p:clrMapOvr>
+</p:notes>
+</file>
+
+<file path=ppt/notesSlides/notesSlide6.xml><?xml version="1.0" encoding="utf-8"?>
+<p:notes xmlns:a="http://schemas.openxmlformats.org/drawingml/2006/main" xmlns:r="http://schemas.openxmlformats.org/officeDocument/2006/relationships" xmlns:p="http://schemas.openxmlformats.org/presentationml/2006/main">
+  <p:cSld>
+    <p:spTree>
+      <p:nvGrpSpPr>
+        <p:cNvPr id="1" name=""/>
+        <p:cNvGrpSpPr/>
+        <p:nvPr/>
+      </p:nvGrpSpPr>
+      <p:grpSpPr>
+        <a:xfrm>
+          <a:off x="0" y="0"/>
+          <a:ext cx="0" cy="0"/>
+          <a:chOff x="0" y="0"/>
+          <a:chExt cx="0" cy="0"/>
+        </a:xfrm>
+      </p:grpSpPr>
+      <p:sp>
+        <p:nvSpPr>
+          <p:cNvPr id="32770" name="Rectangle 7"/>
+          <p:cNvSpPr>
+            <a:spLocks noGrp="1" noChangeArrowheads="1"/>
+          </p:cNvSpPr>
+          <p:nvPr>
+            <p:ph type="sldNum" sz="quarter" idx="5"/>
+          </p:nvPr>
+        </p:nvSpPr>
+        <p:spPr>
+          <a:noFill/>
+        </p:spPr>
+        <p:txBody>
+          <a:bodyPr/>
+          <a:lstStyle>
+            <a:lvl1pPr eaLnBrk="0" hangingPunct="0">
+              <a:defRPr sz="2400">
+                <a:solidFill>
+                  <a:schemeClr val="tx1"/>
+                </a:solidFill>
+                <a:latin typeface="Arial Unicode MS" panose="020B0604020202020204" pitchFamily="34" charset="-128"/>
+              </a:defRPr>
+            </a:lvl1pPr>
+            <a:lvl2pPr marL="742950" indent="-285750" eaLnBrk="0" hangingPunct="0">
+              <a:defRPr sz="2400">
+                <a:solidFill>
+                  <a:schemeClr val="tx1"/>
+                </a:solidFill>
+                <a:latin typeface="Arial Unicode MS" panose="020B0604020202020204" pitchFamily="34" charset="-128"/>
+              </a:defRPr>
+            </a:lvl2pPr>
+            <a:lvl3pPr marL="1143000" indent="-228600" eaLnBrk="0" hangingPunct="0">
+              <a:defRPr sz="2400">
+                <a:solidFill>
+                  <a:schemeClr val="tx1"/>
+                </a:solidFill>
+                <a:latin typeface="Arial Unicode MS" panose="020B0604020202020204" pitchFamily="34" charset="-128"/>
+              </a:defRPr>
+            </a:lvl3pPr>
+            <a:lvl4pPr marL="1600200" indent="-228600" eaLnBrk="0" hangingPunct="0">
+              <a:defRPr sz="2400">
+                <a:solidFill>
+                  <a:schemeClr val="tx1"/>
+                </a:solidFill>
+                <a:latin typeface="Arial Unicode MS" panose="020B0604020202020204" pitchFamily="34" charset="-128"/>
+              </a:defRPr>
+            </a:lvl4pPr>
+            <a:lvl5pPr marL="2057400" indent="-228600" eaLnBrk="0" hangingPunct="0">
+              <a:defRPr sz="2400">
+                <a:solidFill>
+                  <a:schemeClr val="tx1"/>
+                </a:solidFill>
+                <a:latin typeface="Arial Unicode MS" panose="020B0604020202020204" pitchFamily="34" charset="-128"/>
+              </a:defRPr>
+            </a:lvl5pPr>
+            <a:lvl6pPr marL="2514600" indent="-228600" eaLnBrk="0" fontAlgn="base" hangingPunct="0">
+              <a:spcBef>
+                <a:spcPct val="0"/>
+              </a:spcBef>
+              <a:spcAft>
+                <a:spcPct val="0"/>
+              </a:spcAft>
+              <a:defRPr sz="2400">
+                <a:solidFill>
+                  <a:schemeClr val="tx1"/>
+                </a:solidFill>
+                <a:latin typeface="Arial Unicode MS" panose="020B0604020202020204" pitchFamily="34" charset="-128"/>
+              </a:defRPr>
+            </a:lvl6pPr>
+            <a:lvl7pPr marL="2971800" indent="-228600" eaLnBrk="0" fontAlgn="base" hangingPunct="0">
+              <a:spcBef>
+                <a:spcPct val="0"/>
+              </a:spcBef>
+              <a:spcAft>
+                <a:spcPct val="0"/>
+              </a:spcAft>
+              <a:defRPr sz="2400">
+                <a:solidFill>
+                  <a:schemeClr val="tx1"/>
+                </a:solidFill>
+                <a:latin typeface="Arial Unicode MS" panose="020B0604020202020204" pitchFamily="34" charset="-128"/>
+              </a:defRPr>
+            </a:lvl7pPr>
+            <a:lvl8pPr marL="3429000" indent="-228600" eaLnBrk="0" fontAlgn="base" hangingPunct="0">
+              <a:spcBef>
+                <a:spcPct val="0"/>
+              </a:spcBef>
+              <a:spcAft>
+                <a:spcPct val="0"/>
+              </a:spcAft>
+              <a:defRPr sz="2400">
+                <a:solidFill>
+                  <a:schemeClr val="tx1"/>
+                </a:solidFill>
+                <a:latin typeface="Arial Unicode MS" panose="020B0604020202020204" pitchFamily="34" charset="-128"/>
+              </a:defRPr>
+            </a:lvl8pPr>
+            <a:lvl9pPr marL="3886200" indent="-228600" eaLnBrk="0" fontAlgn="base" hangingPunct="0">
+              <a:spcBef>
+                <a:spcPct val="0"/>
+              </a:spcBef>
+              <a:spcAft>
+                <a:spcPct val="0"/>
+              </a:spcAft>
+              <a:defRPr sz="2400">
+                <a:solidFill>
+                  <a:schemeClr val="tx1"/>
+                </a:solidFill>
+                <a:latin typeface="Arial Unicode MS" panose="020B0604020202020204" pitchFamily="34" charset="-128"/>
+              </a:defRPr>
+            </a:lvl9pPr>
+          </a:lstStyle>
+          <a:p>
+            <a:pPr eaLnBrk="1" hangingPunct="1"/>
             <a:fld id="{A1786361-71DB-4517-BB02-5847B4085416}" type="slidenum">
               <a:rPr lang="en-GB" altLang="sr-Latn-RS" sz="1200"/>
               <a:pPr eaLnBrk="1" hangingPunct="1"/>
-              <a:t>6</a:t>
+              <a:t>7</a:t>
             </a:fld>
             <a:endParaRPr lang="en-GB" altLang="sr-Latn-RS" sz="1200"/>
           </a:p>
@@ -2623,7 +2815,7 @@
               <a:pPr>
                 <a:defRPr/>
               </a:pPr>
-              <a:t>18.5.2017.</a:t>
+              <a:t>31.5.2017.</a:t>
             </a:fld>
             <a:endParaRPr lang="hr-HR"/>
           </a:p>
@@ -2763,7 +2955,7 @@
               <a:pPr>
                 <a:defRPr/>
               </a:pPr>
-              <a:t>18.5.2017.</a:t>
+              <a:t>31.5.2017.</a:t>
             </a:fld>
             <a:endParaRPr lang="hr-HR"/>
           </a:p>
@@ -2880,7 +3072,7 @@
               <a:pPr>
                 <a:defRPr/>
               </a:pPr>
-              <a:t>18.5.2017.</a:t>
+              <a:t>31.5.2017.</a:t>
             </a:fld>
             <a:endParaRPr lang="hr-HR"/>
           </a:p>
@@ -3179,7 +3371,7 @@
               <a:pPr>
                 <a:defRPr/>
               </a:pPr>
-              <a:t>18.5.2017.</a:t>
+              <a:t>31.5.2017.</a:t>
             </a:fld>
             <a:endParaRPr lang="hr-HR"/>
           </a:p>
@@ -3457,7 +3649,7 @@
               <a:pPr>
                 <a:defRPr/>
               </a:pPr>
-              <a:t>18.5.2017.</a:t>
+              <a:t>31.5.2017.</a:t>
             </a:fld>
             <a:endParaRPr lang="hr-HR"/>
           </a:p>
@@ -3649,7 +3841,7 @@
               <a:pPr>
                 <a:defRPr/>
               </a:pPr>
-              <a:t>18.5.2017.</a:t>
+              <a:t>31.5.2017.</a:t>
             </a:fld>
             <a:endParaRPr lang="hr-HR"/>
           </a:p>
@@ -3851,7 +4043,7 @@
               <a:pPr>
                 <a:defRPr/>
               </a:pPr>
-              <a:t>18.5.2017.</a:t>
+              <a:t>31.5.2017.</a:t>
             </a:fld>
             <a:endParaRPr lang="hr-HR"/>
           </a:p>
@@ -5189,7 +5381,7 @@
               <a:pPr>
                 <a:defRPr/>
               </a:pPr>
-              <a:t>18.5.2017.</a:t>
+              <a:t>31.5.2017.</a:t>
             </a:fld>
             <a:endParaRPr lang="hr-HR"/>
           </a:p>
@@ -5381,7 +5573,7 @@
               <a:pPr>
                 <a:defRPr/>
               </a:pPr>
-              <a:t>18.5.2017.</a:t>
+              <a:t>31.5.2017.</a:t>
             </a:fld>
             <a:endParaRPr lang="hr-HR"/>
           </a:p>
@@ -5649,7 +5841,7 @@
               <a:pPr>
                 <a:defRPr/>
               </a:pPr>
-              <a:t>18.5.2017.</a:t>
+              <a:t>31.5.2017.</a:t>
             </a:fld>
             <a:endParaRPr lang="hr-HR"/>
           </a:p>
@@ -5959,7 +6151,7 @@
               <a:pPr>
                 <a:defRPr/>
               </a:pPr>
-              <a:t>18.5.2017.</a:t>
+              <a:t>31.5.2017.</a:t>
             </a:fld>
             <a:endParaRPr lang="hr-HR"/>
           </a:p>
@@ -7462,7 +7654,7 @@
               <a:pPr>
                 <a:defRPr/>
               </a:pPr>
-              <a:t>18.5.2017.</a:t>
+              <a:t>31.5.2017.</a:t>
             </a:fld>
             <a:endParaRPr lang="hr-HR"/>
           </a:p>
@@ -8112,8 +8304,8 @@
         </p:nvSpPr>
         <p:spPr>
           <a:xfrm>
-            <a:off x="685800" y="404664"/>
-            <a:ext cx="7772400" cy="659160"/>
+            <a:off x="684213" y="260350"/>
+            <a:ext cx="7772400" cy="1143000"/>
           </a:xfrm>
         </p:spPr>
         <p:txBody>
@@ -8124,16 +8316,16 @@
               <a:defRPr/>
             </a:pPr>
             <a:r>
-              <a:rPr lang="hr-HR" sz="3200" dirty="0" smtClean="0"/>
-              <a:t>Primjer koda u C# jeziku i .NET okružanju</a:t>
-            </a:r>
-            <a:endParaRPr lang="hr-HR" sz="3200" dirty="0"/>
-          </a:p>
-        </p:txBody>
-      </p:sp>
-      <p:sp>
-        <p:nvSpPr>
-          <p:cNvPr id="26627" name="Content Placeholder 2"/>
+              <a:rPr lang="hr-HR" dirty="0" smtClean="0"/>
+              <a:t>Primjena uzorka</a:t>
+            </a:r>
+            <a:endParaRPr lang="hr-HR" dirty="0"/>
+          </a:p>
+        </p:txBody>
+      </p:sp>
+      <p:sp>
+        <p:nvSpPr>
+          <p:cNvPr id="23555" name="Content Placeholder 2"/>
           <p:cNvSpPr>
             <a:spLocks noGrp="1"/>
           </p:cNvSpPr>
@@ -8143,304 +8335,36 @@
         </p:nvSpPr>
         <p:spPr>
           <a:xfrm>
-            <a:off x="684213" y="1340768"/>
-            <a:ext cx="7775575" cy="5328320"/>
+            <a:off x="684213" y="1484313"/>
+            <a:ext cx="7775575" cy="4968875"/>
           </a:xfrm>
         </p:spPr>
         <p:txBody>
           <a:bodyPr/>
           <a:lstStyle/>
           <a:p>
-            <a:pPr marL="0" indent="0">
-              <a:buNone/>
-            </a:pPr>
-            <a:r>
-              <a:rPr lang="hr-HR" altLang="sr-Latn-RS" sz="2400" dirty="0" smtClean="0">
-                <a:latin typeface="Consolas" panose="020B0609020204030204" pitchFamily="49" charset="0"/>
-                <a:cs typeface="Consolas" panose="020B0609020204030204" pitchFamily="49" charset="0"/>
-              </a:rPr>
-              <a:t>interface </a:t>
-            </a:r>
-            <a:r>
-              <a:rPr lang="hr-HR" altLang="sr-Latn-RS" sz="2400" dirty="0" smtClean="0">
-                <a:solidFill>
-                  <a:srgbClr val="C00000"/>
-                </a:solidFill>
-                <a:latin typeface="Consolas" panose="020B0609020204030204" pitchFamily="49" charset="0"/>
-                <a:cs typeface="Consolas" panose="020B0609020204030204" pitchFamily="49" charset="0"/>
-              </a:rPr>
-              <a:t>Ičokolada</a:t>
-            </a:r>
-            <a:r>
-              <a:rPr lang="hr-HR" altLang="sr-Latn-RS" sz="2400" dirty="0" smtClean="0">
-                <a:solidFill>
-                  <a:srgbClr val="FF0000"/>
-                </a:solidFill>
-                <a:latin typeface="Consolas" panose="020B0609020204030204" pitchFamily="49" charset="0"/>
-                <a:cs typeface="Consolas" panose="020B0609020204030204" pitchFamily="49" charset="0"/>
-              </a:rPr>
-              <a:t>  </a:t>
-            </a:r>
-            <a:r>
-              <a:rPr lang="hr-HR" altLang="sr-Latn-RS" sz="2400" dirty="0" smtClean="0">
-                <a:solidFill>
-                  <a:srgbClr val="00B050"/>
-                </a:solidFill>
-                <a:latin typeface="Consolas" panose="020B0609020204030204" pitchFamily="49" charset="0"/>
-                <a:cs typeface="Consolas" panose="020B0609020204030204" pitchFamily="49" charset="0"/>
-              </a:rPr>
-              <a:t>// AbstractProductA</a:t>
-            </a:r>
-            <a:endParaRPr lang="hr-HR" altLang="sr-Latn-RS" sz="2400" dirty="0">
-              <a:solidFill>
-                <a:srgbClr val="00B050"/>
-              </a:solidFill>
-              <a:latin typeface="Consolas" panose="020B0609020204030204" pitchFamily="49" charset="0"/>
-              <a:cs typeface="Consolas" panose="020B0609020204030204" pitchFamily="49" charset="0"/>
-            </a:endParaRPr>
-          </a:p>
-          <a:p>
-            <a:pPr marL="0" indent="0">
-              <a:buNone/>
-            </a:pPr>
-            <a:r>
-              <a:rPr lang="hr-HR" altLang="sr-Latn-RS" sz="2400" dirty="0">
-                <a:latin typeface="Consolas" panose="020B0609020204030204" pitchFamily="49" charset="0"/>
-                <a:cs typeface="Consolas" panose="020B0609020204030204" pitchFamily="49" charset="0"/>
-              </a:rPr>
-              <a:t>    {</a:t>
-            </a:r>
-          </a:p>
-          <a:p>
-            <a:pPr marL="0" indent="0">
-              <a:buNone/>
-            </a:pPr>
-            <a:r>
-              <a:rPr lang="hr-HR" altLang="sr-Latn-RS" sz="2400" dirty="0">
-                <a:latin typeface="Consolas" panose="020B0609020204030204" pitchFamily="49" charset="0"/>
-                <a:cs typeface="Consolas" panose="020B0609020204030204" pitchFamily="49" charset="0"/>
-              </a:rPr>
-              <a:t>        string </a:t>
-            </a:r>
-            <a:r>
-              <a:rPr lang="hr-HR" altLang="sr-Latn-RS" sz="2400" dirty="0">
-                <a:solidFill>
-                  <a:srgbClr val="C00000"/>
-                </a:solidFill>
-                <a:latin typeface="Consolas" panose="020B0609020204030204" pitchFamily="49" charset="0"/>
-                <a:cs typeface="Consolas" panose="020B0609020204030204" pitchFamily="49" charset="0"/>
-              </a:rPr>
-              <a:t>Naziv </a:t>
-            </a:r>
-            <a:r>
-              <a:rPr lang="hr-HR" altLang="sr-Latn-RS" sz="2400" dirty="0">
-                <a:latin typeface="Consolas" panose="020B0609020204030204" pitchFamily="49" charset="0"/>
-                <a:cs typeface="Consolas" panose="020B0609020204030204" pitchFamily="49" charset="0"/>
-              </a:rPr>
-              <a:t>{ get; }</a:t>
-            </a:r>
-          </a:p>
-          <a:p>
-            <a:pPr marL="0" indent="0">
-              <a:buNone/>
-            </a:pPr>
-            <a:r>
-              <a:rPr lang="hr-HR" altLang="sr-Latn-RS" sz="2400" dirty="0">
-                <a:latin typeface="Consolas" panose="020B0609020204030204" pitchFamily="49" charset="0"/>
-                <a:cs typeface="Consolas" panose="020B0609020204030204" pitchFamily="49" charset="0"/>
-              </a:rPr>
-              <a:t>        string </a:t>
-            </a:r>
-            <a:r>
-              <a:rPr lang="hr-HR" altLang="sr-Latn-RS" sz="2400" dirty="0">
-                <a:solidFill>
-                  <a:srgbClr val="C00000"/>
-                </a:solidFill>
-                <a:latin typeface="Consolas" panose="020B0609020204030204" pitchFamily="49" charset="0"/>
-                <a:cs typeface="Consolas" panose="020B0609020204030204" pitchFamily="49" charset="0"/>
-              </a:rPr>
-              <a:t>Sastojci </a:t>
-            </a:r>
-            <a:r>
-              <a:rPr lang="hr-HR" altLang="sr-Latn-RS" sz="2400" dirty="0">
-                <a:latin typeface="Consolas" panose="020B0609020204030204" pitchFamily="49" charset="0"/>
-                <a:cs typeface="Consolas" panose="020B0609020204030204" pitchFamily="49" charset="0"/>
-              </a:rPr>
-              <a:t>{ get; }</a:t>
-            </a:r>
-          </a:p>
-          <a:p>
-            <a:pPr marL="0" indent="0">
-              <a:buNone/>
-            </a:pPr>
-            <a:r>
-              <a:rPr lang="hr-HR" altLang="sr-Latn-RS" sz="2400" dirty="0">
-                <a:latin typeface="Consolas" panose="020B0609020204030204" pitchFamily="49" charset="0"/>
-                <a:cs typeface="Consolas" panose="020B0609020204030204" pitchFamily="49" charset="0"/>
-              </a:rPr>
-              <a:t>    </a:t>
-            </a:r>
-            <a:r>
-              <a:rPr lang="hr-HR" altLang="sr-Latn-RS" sz="2400" dirty="0" smtClean="0">
-                <a:latin typeface="Consolas" panose="020B0609020204030204" pitchFamily="49" charset="0"/>
-                <a:cs typeface="Consolas" panose="020B0609020204030204" pitchFamily="49" charset="0"/>
-              </a:rPr>
-              <a:t>}</a:t>
-            </a:r>
-          </a:p>
-          <a:p>
-            <a:pPr marL="0" indent="0">
-              <a:buNone/>
-            </a:pPr>
-            <a:endParaRPr lang="hr-HR" altLang="sr-Latn-RS" sz="2400" dirty="0">
-              <a:latin typeface="Consolas" panose="020B0609020204030204" pitchFamily="49" charset="0"/>
-              <a:cs typeface="Consolas" panose="020B0609020204030204" pitchFamily="49" charset="0"/>
-            </a:endParaRPr>
-          </a:p>
-          <a:p>
-            <a:pPr marL="0" indent="0">
-              <a:buNone/>
-            </a:pPr>
-            <a:r>
-              <a:rPr lang="hr-HR" altLang="sr-Latn-RS" sz="2400" dirty="0">
-                <a:latin typeface="Consolas" panose="020B0609020204030204" pitchFamily="49" charset="0"/>
-                <a:cs typeface="Consolas" panose="020B0609020204030204" pitchFamily="49" charset="0"/>
-              </a:rPr>
-              <a:t>interface </a:t>
-            </a:r>
-            <a:r>
-              <a:rPr lang="hr-HR" altLang="sr-Latn-RS" sz="2400" dirty="0" smtClean="0">
-                <a:solidFill>
-                  <a:srgbClr val="C00000"/>
-                </a:solidFill>
-                <a:latin typeface="Consolas" panose="020B0609020204030204" pitchFamily="49" charset="0"/>
-                <a:cs typeface="Consolas" panose="020B0609020204030204" pitchFamily="49" charset="0"/>
-              </a:rPr>
-              <a:t>IKeks</a:t>
-            </a:r>
-            <a:r>
-              <a:rPr lang="hr-HR" altLang="sr-Latn-RS" sz="2400" dirty="0">
-                <a:solidFill>
-                  <a:srgbClr val="C00000"/>
-                </a:solidFill>
-                <a:latin typeface="Consolas" panose="020B0609020204030204" pitchFamily="49" charset="0"/>
-                <a:cs typeface="Consolas" panose="020B0609020204030204" pitchFamily="49" charset="0"/>
-              </a:rPr>
-              <a:t> </a:t>
-            </a:r>
-            <a:r>
-              <a:rPr lang="hr-HR" altLang="sr-Latn-RS" sz="2400" dirty="0">
-                <a:solidFill>
-                  <a:srgbClr val="00B050"/>
-                </a:solidFill>
-                <a:latin typeface="Consolas" panose="020B0609020204030204" pitchFamily="49" charset="0"/>
-                <a:cs typeface="Consolas" panose="020B0609020204030204" pitchFamily="49" charset="0"/>
-              </a:rPr>
-              <a:t>// </a:t>
-            </a:r>
-            <a:r>
-              <a:rPr lang="hr-HR" altLang="sr-Latn-RS" sz="2400" dirty="0" smtClean="0">
-                <a:solidFill>
-                  <a:srgbClr val="00B050"/>
-                </a:solidFill>
-                <a:latin typeface="Consolas" panose="020B0609020204030204" pitchFamily="49" charset="0"/>
-                <a:cs typeface="Consolas" panose="020B0609020204030204" pitchFamily="49" charset="0"/>
-              </a:rPr>
-              <a:t>AbstractProductB</a:t>
-            </a:r>
-            <a:endParaRPr lang="hr-HR" altLang="sr-Latn-RS" sz="2400" dirty="0">
-              <a:solidFill>
-                <a:srgbClr val="FF0000"/>
-              </a:solidFill>
-              <a:latin typeface="Consolas" panose="020B0609020204030204" pitchFamily="49" charset="0"/>
-              <a:cs typeface="Consolas" panose="020B0609020204030204" pitchFamily="49" charset="0"/>
-            </a:endParaRPr>
-          </a:p>
-          <a:p>
-            <a:pPr marL="0" indent="0">
-              <a:buNone/>
-            </a:pPr>
-            <a:r>
-              <a:rPr lang="hr-HR" altLang="sr-Latn-RS" sz="2400" dirty="0">
-                <a:latin typeface="Consolas" panose="020B0609020204030204" pitchFamily="49" charset="0"/>
-                <a:cs typeface="Consolas" panose="020B0609020204030204" pitchFamily="49" charset="0"/>
-              </a:rPr>
-              <a:t>    {</a:t>
-            </a:r>
-          </a:p>
-          <a:p>
-            <a:pPr marL="0" indent="0">
-              <a:buNone/>
-            </a:pPr>
-            <a:r>
-              <a:rPr lang="hr-HR" altLang="sr-Latn-RS" sz="2400" dirty="0">
-                <a:latin typeface="Consolas" panose="020B0609020204030204" pitchFamily="49" charset="0"/>
-                <a:cs typeface="Consolas" panose="020B0609020204030204" pitchFamily="49" charset="0"/>
-              </a:rPr>
-              <a:t>        string </a:t>
-            </a:r>
-            <a:r>
-              <a:rPr lang="hr-HR" altLang="sr-Latn-RS" sz="2400" dirty="0">
-                <a:solidFill>
-                  <a:srgbClr val="C00000"/>
-                </a:solidFill>
-                <a:latin typeface="Consolas" panose="020B0609020204030204" pitchFamily="49" charset="0"/>
-                <a:cs typeface="Consolas" panose="020B0609020204030204" pitchFamily="49" charset="0"/>
-              </a:rPr>
-              <a:t>Naziv </a:t>
-            </a:r>
-            <a:r>
-              <a:rPr lang="hr-HR" altLang="sr-Latn-RS" sz="2400" dirty="0">
-                <a:latin typeface="Consolas" panose="020B0609020204030204" pitchFamily="49" charset="0"/>
-                <a:cs typeface="Consolas" panose="020B0609020204030204" pitchFamily="49" charset="0"/>
-              </a:rPr>
-              <a:t>{ get; }</a:t>
-            </a:r>
-          </a:p>
-          <a:p>
-            <a:pPr marL="0" indent="0">
-              <a:buNone/>
-            </a:pPr>
-            <a:r>
-              <a:rPr lang="hr-HR" altLang="sr-Latn-RS" sz="2400" dirty="0">
-                <a:latin typeface="Consolas" panose="020B0609020204030204" pitchFamily="49" charset="0"/>
-                <a:cs typeface="Consolas" panose="020B0609020204030204" pitchFamily="49" charset="0"/>
-              </a:rPr>
-              <a:t>        string </a:t>
-            </a:r>
-            <a:r>
-              <a:rPr lang="hr-HR" altLang="sr-Latn-RS" sz="2400" dirty="0">
-                <a:solidFill>
-                  <a:srgbClr val="C00000"/>
-                </a:solidFill>
-                <a:latin typeface="Consolas" panose="020B0609020204030204" pitchFamily="49" charset="0"/>
-                <a:cs typeface="Consolas" panose="020B0609020204030204" pitchFamily="49" charset="0"/>
-              </a:rPr>
-              <a:t>Tip </a:t>
-            </a:r>
-            <a:r>
-              <a:rPr lang="hr-HR" altLang="sr-Latn-RS" sz="2400" dirty="0">
-                <a:latin typeface="Consolas" panose="020B0609020204030204" pitchFamily="49" charset="0"/>
-                <a:cs typeface="Consolas" panose="020B0609020204030204" pitchFamily="49" charset="0"/>
-              </a:rPr>
-              <a:t>{ get; }</a:t>
-            </a:r>
-          </a:p>
-          <a:p>
-            <a:pPr marL="0" indent="0">
-              <a:buNone/>
-            </a:pPr>
-            <a:r>
-              <a:rPr lang="hr-HR" altLang="sr-Latn-RS" sz="2400" dirty="0">
-                <a:latin typeface="Consolas" panose="020B0609020204030204" pitchFamily="49" charset="0"/>
-                <a:cs typeface="Consolas" panose="020B0609020204030204" pitchFamily="49" charset="0"/>
-              </a:rPr>
-              <a:t>    }</a:t>
-            </a:r>
-            <a:endParaRPr lang="hr-HR" altLang="sr-Latn-RS" sz="2400" dirty="0" smtClean="0">
-              <a:latin typeface="Consolas" panose="020B0609020204030204" pitchFamily="49" charset="0"/>
-              <a:cs typeface="Consolas" panose="020B0609020204030204" pitchFamily="49" charset="0"/>
-            </a:endParaRPr>
+            <a:r>
+              <a:rPr lang="hr-HR" altLang="sr-Latn-RS" smtClean="0"/>
+              <a:t>Kada sustav treba biti neovisan o načinu kako su objekti kreirani, sastavljeni i predstavljeni</a:t>
+            </a:r>
+          </a:p>
+          <a:p>
+            <a:r>
+              <a:rPr lang="hr-HR" altLang="sr-Latn-RS" smtClean="0"/>
+              <a:t>Kada sustav treba biti konfiguriran sa više porodica objekata</a:t>
+            </a:r>
+          </a:p>
+          <a:p>
+            <a:r>
+              <a:rPr lang="hr-HR" altLang="sr-Latn-RS" smtClean="0"/>
+              <a:t>Kada su porodice povezanih objekata predviđene da funkcioniraju zajedno</a:t>
+            </a:r>
+          </a:p>
+          <a:p>
+            <a:r>
+              <a:rPr lang="hr-HR" altLang="sr-Latn-RS" smtClean="0"/>
+              <a:t>Kada želimo pružiti biblioteku klasa gdje  otkrivamo samo njihova sučelja  </a:t>
+            </a:r>
           </a:p>
         </p:txBody>
       </p:sp>
@@ -8452,6 +8376,13 @@
   <p:transition>
     <p:fade thruBlk="1"/>
   </p:transition>
+  <p:timing>
+    <p:tnLst>
+      <p:par>
+        <p:cTn id="1" dur="indefinite" restart="never" nodeType="tmRoot"/>
+      </p:par>
+    </p:tnLst>
+  </p:timing>
 </p:sld>
 </file>
 
@@ -8527,38 +8458,118 @@
               <a:buNone/>
             </a:pPr>
             <a:r>
+              <a:rPr lang="hr-HR" altLang="sr-Latn-RS" sz="2400" dirty="0" smtClean="0">
+                <a:latin typeface="Consolas" panose="020B0609020204030204" pitchFamily="49" charset="0"/>
+                <a:cs typeface="Consolas" panose="020B0609020204030204" pitchFamily="49" charset="0"/>
+              </a:rPr>
+              <a:t>interface </a:t>
+            </a:r>
+            <a:r>
+              <a:rPr lang="hr-HR" altLang="sr-Latn-RS" sz="2400" dirty="0" smtClean="0">
+                <a:solidFill>
+                  <a:srgbClr val="C00000"/>
+                </a:solidFill>
+                <a:latin typeface="Consolas" panose="020B0609020204030204" pitchFamily="49" charset="0"/>
+                <a:cs typeface="Consolas" panose="020B0609020204030204" pitchFamily="49" charset="0"/>
+              </a:rPr>
+              <a:t>Ičokolada</a:t>
+            </a:r>
+            <a:r>
+              <a:rPr lang="hr-HR" altLang="sr-Latn-RS" sz="2400" dirty="0" smtClean="0">
+                <a:solidFill>
+                  <a:srgbClr val="FF0000"/>
+                </a:solidFill>
+                <a:latin typeface="Consolas" panose="020B0609020204030204" pitchFamily="49" charset="0"/>
+                <a:cs typeface="Consolas" panose="020B0609020204030204" pitchFamily="49" charset="0"/>
+              </a:rPr>
+              <a:t>  </a:t>
+            </a:r>
+            <a:r>
+              <a:rPr lang="hr-HR" altLang="sr-Latn-RS" sz="2400" dirty="0" smtClean="0">
+                <a:solidFill>
+                  <a:srgbClr val="00B050"/>
+                </a:solidFill>
+                <a:latin typeface="Consolas" panose="020B0609020204030204" pitchFamily="49" charset="0"/>
+                <a:cs typeface="Consolas" panose="020B0609020204030204" pitchFamily="49" charset="0"/>
+              </a:rPr>
+              <a:t>// AbstractProductA</a:t>
+            </a:r>
+            <a:endParaRPr lang="hr-HR" altLang="sr-Latn-RS" sz="2400" dirty="0">
+              <a:solidFill>
+                <a:srgbClr val="00B050"/>
+              </a:solidFill>
+              <a:latin typeface="Consolas" panose="020B0609020204030204" pitchFamily="49" charset="0"/>
+              <a:cs typeface="Consolas" panose="020B0609020204030204" pitchFamily="49" charset="0"/>
+            </a:endParaRPr>
+          </a:p>
+          <a:p>
+            <a:pPr marL="0" indent="0">
+              <a:buNone/>
+            </a:pPr>
+            <a:r>
               <a:rPr lang="hr-HR" altLang="sr-Latn-RS" sz="2400" dirty="0">
                 <a:latin typeface="Consolas" panose="020B0609020204030204" pitchFamily="49" charset="0"/>
                 <a:cs typeface="Consolas" panose="020B0609020204030204" pitchFamily="49" charset="0"/>
               </a:rPr>
-              <a:t>class </a:t>
-            </a:r>
+              <a:t>    {</a:t>
+            </a:r>
+          </a:p>
+          <a:p>
+            <a:pPr marL="0" indent="0">
+              <a:buNone/>
+            </a:pPr>
             <a:r>
               <a:rPr lang="hr-HR" altLang="sr-Latn-RS" sz="2400" dirty="0">
+                <a:latin typeface="Consolas" panose="020B0609020204030204" pitchFamily="49" charset="0"/>
+                <a:cs typeface="Consolas" panose="020B0609020204030204" pitchFamily="49" charset="0"/>
+              </a:rPr>
+              <a:t>        string </a:t>
+            </a:r>
+            <a:r>
+              <a:rPr lang="hr-HR" altLang="sr-Latn-RS" sz="2400" dirty="0">
                 <a:solidFill>
                   <a:srgbClr val="C00000"/>
                 </a:solidFill>
                 <a:latin typeface="Consolas" panose="020B0609020204030204" pitchFamily="49" charset="0"/>
                 <a:cs typeface="Consolas" panose="020B0609020204030204" pitchFamily="49" charset="0"/>
               </a:rPr>
-              <a:t>LjubičastaČokolada</a:t>
+              <a:t>Naziv </a:t>
             </a:r>
             <a:r>
               <a:rPr lang="hr-HR" altLang="sr-Latn-RS" sz="2400" dirty="0">
                 <a:latin typeface="Consolas" panose="020B0609020204030204" pitchFamily="49" charset="0"/>
                 <a:cs typeface="Consolas" panose="020B0609020204030204" pitchFamily="49" charset="0"/>
               </a:rPr>
-              <a:t> : </a:t>
-            </a:r>
+              <a:t>{ get; }</a:t>
+            </a:r>
+          </a:p>
+          <a:p>
+            <a:pPr marL="0" indent="0">
+              <a:buNone/>
+            </a:pPr>
             <a:r>
               <a:rPr lang="hr-HR" altLang="sr-Latn-RS" sz="2400" dirty="0">
+                <a:latin typeface="Consolas" panose="020B0609020204030204" pitchFamily="49" charset="0"/>
+                <a:cs typeface="Consolas" panose="020B0609020204030204" pitchFamily="49" charset="0"/>
+              </a:rPr>
+              <a:t>        string </a:t>
+            </a:r>
+            <a:r>
+              <a:rPr lang="hr-HR" altLang="sr-Latn-RS" sz="2400" dirty="0">
                 <a:solidFill>
                   <a:srgbClr val="C00000"/>
                 </a:solidFill>
                 <a:latin typeface="Consolas" panose="020B0609020204030204" pitchFamily="49" charset="0"/>
                 <a:cs typeface="Consolas" panose="020B0609020204030204" pitchFamily="49" charset="0"/>
               </a:rPr>
-              <a:t>IČokolada</a:t>
+              <a:t>Sastojci </a:t>
+            </a:r>
+            <a:r>
+              <a:rPr lang="hr-HR" altLang="sr-Latn-RS" sz="2400" dirty="0">
+                <a:latin typeface="Consolas" panose="020B0609020204030204" pitchFamily="49" charset="0"/>
+                <a:cs typeface="Consolas" panose="020B0609020204030204" pitchFamily="49" charset="0"/>
+              </a:rPr>
+              <a:t>{ get; }</a:t>
             </a:r>
           </a:p>
           <a:p>
@@ -8566,12 +8577,24 @@
               <a:buNone/>
             </a:pPr>
             <a:r>
+              <a:rPr lang="hr-HR" altLang="sr-Latn-RS" sz="2400" dirty="0">
+                <a:latin typeface="Consolas" panose="020B0609020204030204" pitchFamily="49" charset="0"/>
+                <a:cs typeface="Consolas" panose="020B0609020204030204" pitchFamily="49" charset="0"/>
+              </a:rPr>
+              <a:t>    </a:t>
+            </a:r>
+            <a:r>
               <a:rPr lang="hr-HR" altLang="sr-Latn-RS" sz="2400" dirty="0" smtClean="0">
                 <a:latin typeface="Consolas" panose="020B0609020204030204" pitchFamily="49" charset="0"/>
                 <a:cs typeface="Consolas" panose="020B0609020204030204" pitchFamily="49" charset="0"/>
               </a:rPr>
-              <a:t>{</a:t>
-            </a:r>
+              <a:t>}</a:t>
+            </a:r>
+          </a:p>
+          <a:p>
+            <a:pPr marL="0" indent="0">
+              <a:buNone/>
+            </a:pPr>
             <a:endParaRPr lang="hr-HR" altLang="sr-Latn-RS" sz="2400" dirty="0">
               <a:latin typeface="Consolas" panose="020B0609020204030204" pitchFamily="49" charset="0"/>
               <a:cs typeface="Consolas" panose="020B0609020204030204" pitchFamily="49" charset="0"/>
@@ -8582,118 +8605,56 @@
               <a:buNone/>
             </a:pPr>
             <a:r>
+              <a:rPr lang="hr-HR" altLang="sr-Latn-RS" sz="2400" dirty="0">
+                <a:latin typeface="Consolas" panose="020B0609020204030204" pitchFamily="49" charset="0"/>
+                <a:cs typeface="Consolas" panose="020B0609020204030204" pitchFamily="49" charset="0"/>
+              </a:rPr>
+              <a:t>interface </a:t>
+            </a:r>
+            <a:r>
               <a:rPr lang="hr-HR" altLang="sr-Latn-RS" sz="2400" dirty="0" smtClean="0">
-                <a:latin typeface="Consolas" panose="020B0609020204030204" pitchFamily="49" charset="0"/>
-                <a:cs typeface="Consolas" panose="020B0609020204030204" pitchFamily="49" charset="0"/>
-              </a:rPr>
-              <a:t>   public </a:t>
+                <a:solidFill>
+                  <a:srgbClr val="C00000"/>
+                </a:solidFill>
+                <a:latin typeface="Consolas" panose="020B0609020204030204" pitchFamily="49" charset="0"/>
+                <a:cs typeface="Consolas" panose="020B0609020204030204" pitchFamily="49" charset="0"/>
+              </a:rPr>
+              <a:t>IKeks</a:t>
             </a:r>
             <a:r>
               <a:rPr lang="hr-HR" altLang="sr-Latn-RS" sz="2400" dirty="0">
-                <a:latin typeface="Consolas" panose="020B0609020204030204" pitchFamily="49" charset="0"/>
-                <a:cs typeface="Consolas" panose="020B0609020204030204" pitchFamily="49" charset="0"/>
-              </a:rPr>
-              <a:t>string </a:t>
+                <a:solidFill>
+                  <a:srgbClr val="C00000"/>
+                </a:solidFill>
+                <a:latin typeface="Consolas" panose="020B0609020204030204" pitchFamily="49" charset="0"/>
+                <a:cs typeface="Consolas" panose="020B0609020204030204" pitchFamily="49" charset="0"/>
+              </a:rPr>
+              <a:t> </a:t>
             </a:r>
             <a:r>
               <a:rPr lang="hr-HR" altLang="sr-Latn-RS" sz="2400" dirty="0">
                 <a:solidFill>
-                  <a:srgbClr val="C00000"/>
-                </a:solidFill>
-                <a:latin typeface="Consolas" panose="020B0609020204030204" pitchFamily="49" charset="0"/>
-                <a:cs typeface="Consolas" panose="020B0609020204030204" pitchFamily="49" charset="0"/>
-              </a:rPr>
-              <a:t>Naziv</a:t>
-            </a:r>
-          </a:p>
-          <a:p>
-            <a:pPr marL="0" indent="0">
-              <a:buNone/>
-            </a:pPr>
-            <a:r>
-              <a:rPr lang="hr-HR" altLang="sr-Latn-RS" sz="2400" dirty="0">
-                <a:latin typeface="Consolas" panose="020B0609020204030204" pitchFamily="49" charset="0"/>
-                <a:cs typeface="Consolas" panose="020B0609020204030204" pitchFamily="49" charset="0"/>
-              </a:rPr>
-              <a:t>  </a:t>
+                  <a:srgbClr val="00B050"/>
+                </a:solidFill>
+                <a:latin typeface="Consolas" panose="020B0609020204030204" pitchFamily="49" charset="0"/>
+                <a:cs typeface="Consolas" panose="020B0609020204030204" pitchFamily="49" charset="0"/>
+              </a:rPr>
+              <a:t>// </a:t>
             </a:r>
             <a:r>
               <a:rPr lang="hr-HR" altLang="sr-Latn-RS" sz="2400" dirty="0" smtClean="0">
-                <a:latin typeface="Consolas" panose="020B0609020204030204" pitchFamily="49" charset="0"/>
-                <a:cs typeface="Consolas" panose="020B0609020204030204" pitchFamily="49" charset="0"/>
-              </a:rPr>
-              <a:t> { </a:t>
-            </a:r>
-          </a:p>
-          <a:p>
-            <a:pPr marL="0" indent="0">
-              <a:buNone/>
-            </a:pPr>
-            <a:r>
-              <a:rPr lang="hr-HR" altLang="sr-Latn-RS" sz="2400" dirty="0">
-                <a:latin typeface="Consolas" panose="020B0609020204030204" pitchFamily="49" charset="0"/>
-                <a:cs typeface="Consolas" panose="020B0609020204030204" pitchFamily="49" charset="0"/>
-              </a:rPr>
-              <a:t> </a:t>
-            </a:r>
-            <a:r>
-              <a:rPr lang="hr-HR" altLang="sr-Latn-RS" sz="2400" dirty="0" smtClean="0">
-                <a:latin typeface="Consolas" panose="020B0609020204030204" pitchFamily="49" charset="0"/>
-                <a:cs typeface="Consolas" panose="020B0609020204030204" pitchFamily="49" charset="0"/>
-              </a:rPr>
-              <a:t>     get </a:t>
-            </a:r>
-            <a:r>
-              <a:rPr lang="hr-HR" altLang="sr-Latn-RS" sz="2400" dirty="0">
-                <a:latin typeface="Consolas" panose="020B0609020204030204" pitchFamily="49" charset="0"/>
-                <a:cs typeface="Consolas" panose="020B0609020204030204" pitchFamily="49" charset="0"/>
-              </a:rPr>
-              <a:t>{ return </a:t>
-            </a:r>
-            <a:r>
-              <a:rPr lang="hr-HR" altLang="sr-Latn-RS" sz="2400" dirty="0">
-                <a:solidFill>
-                  <a:srgbClr val="006699"/>
-                </a:solidFill>
-                <a:latin typeface="Consolas" panose="020B0609020204030204" pitchFamily="49" charset="0"/>
-                <a:cs typeface="Consolas" panose="020B0609020204030204" pitchFamily="49" charset="0"/>
-              </a:rPr>
-              <a:t>"Ljubičasta čokolada"</a:t>
-            </a:r>
-            <a:r>
-              <a:rPr lang="hr-HR" altLang="sr-Latn-RS" sz="2400" dirty="0">
-                <a:latin typeface="Consolas" panose="020B0609020204030204" pitchFamily="49" charset="0"/>
-                <a:cs typeface="Consolas" panose="020B0609020204030204" pitchFamily="49" charset="0"/>
-              </a:rPr>
-              <a:t>; </a:t>
-            </a:r>
-            <a:r>
-              <a:rPr lang="hr-HR" altLang="sr-Latn-RS" sz="2400" dirty="0" smtClean="0">
-                <a:latin typeface="Consolas" panose="020B0609020204030204" pitchFamily="49" charset="0"/>
-                <a:cs typeface="Consolas" panose="020B0609020204030204" pitchFamily="49" charset="0"/>
-              </a:rPr>
-              <a:t>}</a:t>
-            </a:r>
-          </a:p>
-          <a:p>
-            <a:pPr marL="0" indent="0">
-              <a:buNone/>
-            </a:pPr>
-            <a:r>
-              <a:rPr lang="hr-HR" altLang="sr-Latn-RS" sz="2400" dirty="0">
-                <a:latin typeface="Consolas" panose="020B0609020204030204" pitchFamily="49" charset="0"/>
-                <a:cs typeface="Consolas" panose="020B0609020204030204" pitchFamily="49" charset="0"/>
-              </a:rPr>
-              <a:t> </a:t>
-            </a:r>
-            <a:r>
-              <a:rPr lang="hr-HR" altLang="sr-Latn-RS" sz="2400" dirty="0" smtClean="0">
-                <a:latin typeface="Consolas" panose="020B0609020204030204" pitchFamily="49" charset="0"/>
-                <a:cs typeface="Consolas" panose="020B0609020204030204" pitchFamily="49" charset="0"/>
-              </a:rPr>
-              <a:t>  }</a:t>
+                <a:solidFill>
+                  <a:srgbClr val="00B050"/>
+                </a:solidFill>
+                <a:latin typeface="Consolas" panose="020B0609020204030204" pitchFamily="49" charset="0"/>
+                <a:cs typeface="Consolas" panose="020B0609020204030204" pitchFamily="49" charset="0"/>
+              </a:rPr>
+              <a:t>AbstractProductB</a:t>
             </a:r>
             <a:endParaRPr lang="hr-HR" altLang="sr-Latn-RS" sz="2400" dirty="0">
+              <a:solidFill>
+                <a:srgbClr val="FF0000"/>
+              </a:solidFill>
               <a:latin typeface="Consolas" panose="020B0609020204030204" pitchFamily="49" charset="0"/>
               <a:cs typeface="Consolas" panose="020B0609020204030204" pitchFamily="49" charset="0"/>
             </a:endParaRPr>
@@ -8703,28 +8664,40 @@
               <a:buNone/>
             </a:pPr>
             <a:r>
-              <a:rPr lang="hr-HR" altLang="sr-Latn-RS" sz="2400" dirty="0" smtClean="0">
-                <a:latin typeface="Consolas" panose="020B0609020204030204" pitchFamily="49" charset="0"/>
-                <a:cs typeface="Consolas" panose="020B0609020204030204" pitchFamily="49" charset="0"/>
-              </a:rPr>
-              <a:t>   public </a:t>
-            </a:r>
-            <a:r>
               <a:rPr lang="hr-HR" altLang="sr-Latn-RS" sz="2400" dirty="0">
                 <a:latin typeface="Consolas" panose="020B0609020204030204" pitchFamily="49" charset="0"/>
                 <a:cs typeface="Consolas" panose="020B0609020204030204" pitchFamily="49" charset="0"/>
               </a:rPr>
-              <a:t>string </a:t>
-            </a:r>
+              <a:t>    {</a:t>
+            </a:r>
+          </a:p>
+          <a:p>
+            <a:pPr marL="0" indent="0">
+              <a:buNone/>
+            </a:pPr>
             <a:r>
               <a:rPr lang="hr-HR" altLang="sr-Latn-RS" sz="2400" dirty="0">
+                <a:latin typeface="Consolas" panose="020B0609020204030204" pitchFamily="49" charset="0"/>
+                <a:cs typeface="Consolas" panose="020B0609020204030204" pitchFamily="49" charset="0"/>
+              </a:rPr>
+              <a:t>        string </a:t>
+            </a:r>
+            <a:r>
+              <a:rPr lang="hr-HR" altLang="sr-Latn-RS" sz="2400" dirty="0">
                 <a:solidFill>
                   <a:srgbClr val="C00000"/>
                 </a:solidFill>
                 <a:latin typeface="Consolas" panose="020B0609020204030204" pitchFamily="49" charset="0"/>
                 <a:cs typeface="Consolas" panose="020B0609020204030204" pitchFamily="49" charset="0"/>
               </a:rPr>
-              <a:t>Sastojci</a:t>
+              <a:t>Naziv </a:t>
+            </a:r>
+            <a:r>
+              <a:rPr lang="hr-HR" altLang="sr-Latn-RS" sz="2400" dirty="0">
+                <a:latin typeface="Consolas" panose="020B0609020204030204" pitchFamily="49" charset="0"/>
+                <a:cs typeface="Consolas" panose="020B0609020204030204" pitchFamily="49" charset="0"/>
+              </a:rPr>
+              <a:t>{ get; }</a:t>
             </a:r>
           </a:p>
           <a:p>
@@ -8736,14 +8709,24 @@
                 <a:latin typeface="Consolas" panose="020B0609020204030204" pitchFamily="49" charset="0"/>
                 <a:cs typeface="Consolas" panose="020B0609020204030204" pitchFamily="49" charset="0"/>
               </a:rPr>
-              <a:t>  </a:t>
-            </a:r>
-            <a:r>
-              <a:rPr lang="hr-HR" altLang="sr-Latn-RS" sz="2400" dirty="0" smtClean="0">
-                <a:latin typeface="Consolas" panose="020B0609020204030204" pitchFamily="49" charset="0"/>
-                <a:cs typeface="Consolas" panose="020B0609020204030204" pitchFamily="49" charset="0"/>
-              </a:rPr>
-              <a:t> { </a:t>
+              <a:t>        string </a:t>
+            </a:r>
+            <a:r>
+              <a:rPr lang="hr-HR" altLang="sr-Latn-RS" sz="2400" dirty="0">
+                <a:solidFill>
+                  <a:srgbClr val="C00000"/>
+                </a:solidFill>
+                <a:latin typeface="Consolas" panose="020B0609020204030204" pitchFamily="49" charset="0"/>
+                <a:cs typeface="Consolas" panose="020B0609020204030204" pitchFamily="49" charset="0"/>
+              </a:rPr>
+              <a:t>Tip </a:t>
+            </a:r>
+            <a:r>
+              <a:rPr lang="hr-HR" altLang="sr-Latn-RS" sz="2400" dirty="0">
+                <a:latin typeface="Consolas" panose="020B0609020204030204" pitchFamily="49" charset="0"/>
+                <a:cs typeface="Consolas" panose="020B0609020204030204" pitchFamily="49" charset="0"/>
+              </a:rPr>
+              <a:t>{ get; }</a:t>
             </a:r>
           </a:p>
           <a:p>
@@ -8755,100 +8738,7 @@
                 <a:latin typeface="Consolas" panose="020B0609020204030204" pitchFamily="49" charset="0"/>
                 <a:cs typeface="Consolas" panose="020B0609020204030204" pitchFamily="49" charset="0"/>
               </a:rPr>
-              <a:t> </a:t>
-            </a:r>
-            <a:r>
-              <a:rPr lang="hr-HR" altLang="sr-Latn-RS" sz="2400" dirty="0" smtClean="0">
-                <a:latin typeface="Consolas" panose="020B0609020204030204" pitchFamily="49" charset="0"/>
-                <a:cs typeface="Consolas" panose="020B0609020204030204" pitchFamily="49" charset="0"/>
-              </a:rPr>
-              <a:t>     get </a:t>
-            </a:r>
-            <a:r>
-              <a:rPr lang="hr-HR" altLang="sr-Latn-RS" sz="2400" dirty="0">
-                <a:latin typeface="Consolas" panose="020B0609020204030204" pitchFamily="49" charset="0"/>
-                <a:cs typeface="Consolas" panose="020B0609020204030204" pitchFamily="49" charset="0"/>
-              </a:rPr>
-              <a:t>{ return </a:t>
-            </a:r>
-            <a:r>
-              <a:rPr lang="hr-HR" altLang="sr-Latn-RS" sz="2400" dirty="0">
-                <a:solidFill>
-                  <a:srgbClr val="006699"/>
-                </a:solidFill>
-                <a:latin typeface="Consolas" panose="020B0609020204030204" pitchFamily="49" charset="0"/>
-                <a:cs typeface="Consolas" panose="020B0609020204030204" pitchFamily="49" charset="0"/>
-              </a:rPr>
-              <a:t>"Kakao 20%, šećer 40%, </a:t>
-            </a:r>
-            <a:r>
-              <a:rPr lang="hr-HR" altLang="sr-Latn-RS" sz="2400" dirty="0" smtClean="0">
-                <a:solidFill>
-                  <a:srgbClr val="006699"/>
-                </a:solidFill>
-                <a:latin typeface="Consolas" panose="020B0609020204030204" pitchFamily="49" charset="0"/>
-                <a:cs typeface="Consolas" panose="020B0609020204030204" pitchFamily="49" charset="0"/>
-              </a:rPr>
-              <a:t>       	                mlijeko </a:t>
-            </a:r>
-            <a:r>
-              <a:rPr lang="hr-HR" altLang="sr-Latn-RS" sz="2400" dirty="0">
-                <a:solidFill>
-                  <a:srgbClr val="006699"/>
-                </a:solidFill>
-                <a:latin typeface="Consolas" panose="020B0609020204030204" pitchFamily="49" charset="0"/>
-                <a:cs typeface="Consolas" panose="020B0609020204030204" pitchFamily="49" charset="0"/>
-              </a:rPr>
-              <a:t>u prahu 40%"</a:t>
-            </a:r>
-            <a:r>
-              <a:rPr lang="hr-HR" altLang="sr-Latn-RS" sz="2400" dirty="0">
-                <a:latin typeface="Consolas" panose="020B0609020204030204" pitchFamily="49" charset="0"/>
-                <a:cs typeface="Consolas" panose="020B0609020204030204" pitchFamily="49" charset="0"/>
-              </a:rPr>
-              <a:t>; </a:t>
-            </a:r>
-            <a:r>
-              <a:rPr lang="hr-HR" altLang="sr-Latn-RS" sz="2400" dirty="0" smtClean="0">
-                <a:latin typeface="Consolas" panose="020B0609020204030204" pitchFamily="49" charset="0"/>
-                <a:cs typeface="Consolas" panose="020B0609020204030204" pitchFamily="49" charset="0"/>
-              </a:rPr>
-              <a:t>}</a:t>
-            </a:r>
-          </a:p>
-          <a:p>
-            <a:pPr marL="0" indent="0">
-              <a:buNone/>
-            </a:pPr>
-            <a:r>
-              <a:rPr lang="hr-HR" altLang="sr-Latn-RS" sz="2400" dirty="0">
-                <a:latin typeface="Consolas" panose="020B0609020204030204" pitchFamily="49" charset="0"/>
-                <a:cs typeface="Consolas" panose="020B0609020204030204" pitchFamily="49" charset="0"/>
-              </a:rPr>
-              <a:t> </a:t>
-            </a:r>
-            <a:r>
-              <a:rPr lang="hr-HR" altLang="sr-Latn-RS" sz="2400" dirty="0" smtClean="0">
-                <a:latin typeface="Consolas" panose="020B0609020204030204" pitchFamily="49" charset="0"/>
-                <a:cs typeface="Consolas" panose="020B0609020204030204" pitchFamily="49" charset="0"/>
-              </a:rPr>
-              <a:t>  }</a:t>
-            </a:r>
-            <a:endParaRPr lang="hr-HR" altLang="sr-Latn-RS" sz="2400" dirty="0">
-              <a:latin typeface="Consolas" panose="020B0609020204030204" pitchFamily="49" charset="0"/>
-              <a:cs typeface="Consolas" panose="020B0609020204030204" pitchFamily="49" charset="0"/>
-            </a:endParaRPr>
-          </a:p>
-          <a:p>
-            <a:pPr marL="0" indent="0">
-              <a:buNone/>
-            </a:pPr>
-            <a:r>
-              <a:rPr lang="hr-HR" altLang="sr-Latn-RS" sz="2400" dirty="0" smtClean="0">
-                <a:latin typeface="Consolas" panose="020B0609020204030204" pitchFamily="49" charset="0"/>
-                <a:cs typeface="Consolas" panose="020B0609020204030204" pitchFamily="49" charset="0"/>
-              </a:rPr>
-              <a:t>}</a:t>
+              <a:t>    }</a:t>
             </a:r>
             <a:endParaRPr lang="hr-HR" altLang="sr-Latn-RS" sz="2400" dirty="0" smtClean="0">
               <a:latin typeface="Consolas" panose="020B0609020204030204" pitchFamily="49" charset="0"/>
@@ -8858,11 +8748,6 @@
         </p:txBody>
       </p:sp>
     </p:spTree>
-    <p:extLst>
-      <p:ext uri="{BB962C8B-B14F-4D97-AF65-F5344CB8AC3E}">
-        <p14:creationId xmlns:p14="http://schemas.microsoft.com/office/powerpoint/2010/main" val="3393692438"/>
-      </p:ext>
-    </p:extLst>
   </p:cSld>
   <p:clrMapOvr>
     <a:masterClrMapping/>
@@ -8870,6 +8755,13 @@
   <p:transition>
     <p:fade thruBlk="1"/>
   </p:transition>
+  <p:timing>
+    <p:tnLst>
+      <p:par>
+        <p:cTn id="1" dur="indefinite" restart="never" nodeType="tmRoot"/>
+      </p:par>
+    </p:tnLst>
+  </p:timing>
 </p:sld>
 </file>
 
@@ -8952,21 +8844,21 @@
               <a:t>class </a:t>
             </a:r>
             <a:r>
-              <a:rPr lang="hr-HR" altLang="sr-Latn-RS" sz="2400" dirty="0" smtClean="0">
+              <a:rPr lang="hr-HR" altLang="sr-Latn-RS" sz="2400" dirty="0">
                 <a:solidFill>
                   <a:srgbClr val="C00000"/>
                 </a:solidFill>
                 <a:latin typeface="Consolas" panose="020B0609020204030204" pitchFamily="49" charset="0"/>
                 <a:cs typeface="Consolas" panose="020B0609020204030204" pitchFamily="49" charset="0"/>
               </a:rPr>
-              <a:t>CrvenaČokolada </a:t>
-            </a:r>
-            <a:r>
-              <a:rPr lang="hr-HR" altLang="sr-Latn-RS" sz="2400" dirty="0" smtClean="0">
-                <a:latin typeface="Consolas" panose="020B0609020204030204" pitchFamily="49" charset="0"/>
-                <a:cs typeface="Consolas" panose="020B0609020204030204" pitchFamily="49" charset="0"/>
-              </a:rPr>
-              <a:t>: </a:t>
+              <a:t>LjubičastaČokolada</a:t>
+            </a:r>
+            <a:r>
+              <a:rPr lang="hr-HR" altLang="sr-Latn-RS" sz="2400" dirty="0">
+                <a:latin typeface="Consolas" panose="020B0609020204030204" pitchFamily="49" charset="0"/>
+                <a:cs typeface="Consolas" panose="020B0609020204030204" pitchFamily="49" charset="0"/>
+              </a:rPr>
+              <a:t> : </a:t>
             </a:r>
             <a:r>
               <a:rPr lang="hr-HR" altLang="sr-Latn-RS" sz="2400" dirty="0">
@@ -9076,24 +8968,21 @@
                 <a:latin typeface="Consolas" panose="020B0609020204030204" pitchFamily="49" charset="0"/>
                 <a:cs typeface="Consolas" panose="020B0609020204030204" pitchFamily="49" charset="0"/>
               </a:rPr>
-              <a:t>"</a:t>
+              <a:t>"Ljubičasta čokolada"</a:t>
+            </a:r>
+            <a:r>
+              <a:rPr lang="hr-HR" altLang="sr-Latn-RS" sz="2400" dirty="0">
+                <a:latin typeface="Consolas" panose="020B0609020204030204" pitchFamily="49" charset="0"/>
+                <a:cs typeface="Consolas" panose="020B0609020204030204" pitchFamily="49" charset="0"/>
+              </a:rPr>
+              <a:t>; </a:t>
             </a:r>
             <a:r>
               <a:rPr lang="hr-HR" altLang="sr-Latn-RS" sz="2400" dirty="0" smtClean="0">
-                <a:solidFill>
-                  <a:srgbClr val="006699"/>
-                </a:solidFill>
-                <a:latin typeface="Consolas" panose="020B0609020204030204" pitchFamily="49" charset="0"/>
-                <a:cs typeface="Consolas" panose="020B0609020204030204" pitchFamily="49" charset="0"/>
-              </a:rPr>
-              <a:t>Crvena čokolada"</a:t>
-            </a:r>
-            <a:r>
-              <a:rPr lang="hr-HR" altLang="sr-Latn-RS" sz="2400" dirty="0" smtClean="0">
-                <a:latin typeface="Consolas" panose="020B0609020204030204" pitchFamily="49" charset="0"/>
-                <a:cs typeface="Consolas" panose="020B0609020204030204" pitchFamily="49" charset="0"/>
-              </a:rPr>
-              <a:t>; }</a:t>
+                <a:latin typeface="Consolas" panose="020B0609020204030204" pitchFamily="49" charset="0"/>
+                <a:cs typeface="Consolas" panose="020B0609020204030204" pitchFamily="49" charset="0"/>
+              </a:rPr>
+              <a:t>}</a:t>
             </a:r>
           </a:p>
           <a:p>
@@ -9193,6 +9082,16 @@
               <a:t>{ return </a:t>
             </a:r>
             <a:r>
+              <a:rPr lang="hr-HR" altLang="sr-Latn-RS" sz="2400" dirty="0">
+                <a:solidFill>
+                  <a:srgbClr val="006699"/>
+                </a:solidFill>
+                <a:latin typeface="Consolas" panose="020B0609020204030204" pitchFamily="49" charset="0"/>
+                <a:cs typeface="Consolas" panose="020B0609020204030204" pitchFamily="49" charset="0"/>
+              </a:rPr>
+              <a:t>"Kakao 20%, šećer 40%, </a:t>
+            </a:r>
+            <a:r>
               <a:rPr lang="hr-HR" altLang="sr-Latn-RS" sz="2400" dirty="0" smtClean="0">
                 <a:solidFill>
                   <a:srgbClr val="006699"/>
@@ -9200,14 +9099,31 @@
                 <a:latin typeface="Consolas" panose="020B0609020204030204" pitchFamily="49" charset="0"/>
                 <a:cs typeface="Consolas" panose="020B0609020204030204" pitchFamily="49" charset="0"/>
               </a:rPr>
-              <a:t>"Kakao 15%, šećer 45%,        	                mlijeko u prahu 40%"</a:t>
+              <a:t>       	                mlijeko </a:t>
+            </a:r>
+            <a:r>
+              <a:rPr lang="hr-HR" altLang="sr-Latn-RS" sz="2400" dirty="0">
+                <a:solidFill>
+                  <a:srgbClr val="006699"/>
+                </a:solidFill>
+                <a:latin typeface="Consolas" panose="020B0609020204030204" pitchFamily="49" charset="0"/>
+                <a:cs typeface="Consolas" panose="020B0609020204030204" pitchFamily="49" charset="0"/>
+              </a:rPr>
+              <a:t>u prahu 40%"</a:t>
+            </a:r>
+            <a:r>
+              <a:rPr lang="hr-HR" altLang="sr-Latn-RS" sz="2400" dirty="0">
+                <a:latin typeface="Consolas" panose="020B0609020204030204" pitchFamily="49" charset="0"/>
+                <a:cs typeface="Consolas" panose="020B0609020204030204" pitchFamily="49" charset="0"/>
+              </a:rPr>
+              <a:t>; </a:t>
             </a:r>
             <a:r>
               <a:rPr lang="hr-HR" altLang="sr-Latn-RS" sz="2400" dirty="0" smtClean="0">
                 <a:latin typeface="Consolas" panose="020B0609020204030204" pitchFamily="49" charset="0"/>
                 <a:cs typeface="Consolas" panose="020B0609020204030204" pitchFamily="49" charset="0"/>
               </a:rPr>
-              <a:t>; }</a:t>
+              <a:t>}</a:t>
             </a:r>
           </a:p>
           <a:p>
@@ -9244,17 +9160,13 @@
               </a:rPr>
               <a:t>}</a:t>
             </a:r>
-            <a:endParaRPr lang="hr-HR" altLang="sr-Latn-RS" sz="2400" dirty="0" smtClean="0">
-              <a:latin typeface="Consolas" panose="020B0609020204030204" pitchFamily="49" charset="0"/>
-              <a:cs typeface="Consolas" panose="020B0609020204030204" pitchFamily="49" charset="0"/>
-            </a:endParaRPr>
           </a:p>
         </p:txBody>
       </p:sp>
     </p:spTree>
     <p:extLst>
       <p:ext uri="{BB962C8B-B14F-4D97-AF65-F5344CB8AC3E}">
-        <p14:creationId xmlns:p14="http://schemas.microsoft.com/office/powerpoint/2010/main" val="3107921887"/>
+        <p14:creationId xmlns:p14="http://schemas.microsoft.com/office/powerpoint/2010/main" val="3393692438"/>
       </p:ext>
     </p:extLst>
   </p:cSld>
@@ -9264,6 +9176,13 @@
   <p:transition>
     <p:fade thruBlk="1"/>
   </p:transition>
+  <p:timing>
+    <p:tnLst>
+      <p:par>
+        <p:cTn id="1" dur="indefinite" restart="never" nodeType="tmRoot"/>
+      </p:par>
+    </p:tnLst>
+  </p:timing>
 </p:sld>
 </file>
 
@@ -9353,7 +9272,7 @@
                 <a:latin typeface="Consolas" panose="020B0609020204030204" pitchFamily="49" charset="0"/>
                 <a:cs typeface="Consolas" panose="020B0609020204030204" pitchFamily="49" charset="0"/>
               </a:rPr>
-              <a:t>LjubičastiKeks </a:t>
+              <a:t>CrvenaČokolada </a:t>
             </a:r>
             <a:r>
               <a:rPr lang="hr-HR" altLang="sr-Latn-RS" sz="2400" dirty="0" smtClean="0">
@@ -9370,7 +9289,7 @@
                 <a:latin typeface="Consolas" panose="020B0609020204030204" pitchFamily="49" charset="0"/>
                 <a:cs typeface="Consolas" panose="020B0609020204030204" pitchFamily="49" charset="0"/>
               </a:rPr>
-              <a:t>IKeks</a:t>
+              <a:t>IČokolada</a:t>
             </a:r>
           </a:p>
           <a:p>
@@ -9463,6 +9382,16 @@
               <a:t>{ return </a:t>
             </a:r>
             <a:r>
+              <a:rPr lang="hr-HR" altLang="sr-Latn-RS" sz="2400" dirty="0">
+                <a:solidFill>
+                  <a:srgbClr val="006699"/>
+                </a:solidFill>
+                <a:latin typeface="Consolas" panose="020B0609020204030204" pitchFamily="49" charset="0"/>
+                <a:cs typeface="Consolas" panose="020B0609020204030204" pitchFamily="49" charset="0"/>
+              </a:rPr>
+              <a:t>"</a:t>
+            </a:r>
+            <a:r>
               <a:rPr lang="hr-HR" altLang="sr-Latn-RS" sz="2400" dirty="0" smtClean="0">
                 <a:solidFill>
                   <a:srgbClr val="006699"/>
@@ -9470,31 +9399,14 @@
                 <a:latin typeface="Consolas" panose="020B0609020204030204" pitchFamily="49" charset="0"/>
                 <a:cs typeface="Consolas" panose="020B0609020204030204" pitchFamily="49" charset="0"/>
               </a:rPr>
-              <a:t>"Ljubičasti keks</a:t>
-            </a:r>
-            <a:r>
-              <a:rPr lang="hr-HR" altLang="sr-Latn-RS" sz="2400" dirty="0">
-                <a:solidFill>
-                  <a:srgbClr val="006699"/>
-                </a:solidFill>
-                <a:latin typeface="Consolas" panose="020B0609020204030204" pitchFamily="49" charset="0"/>
-                <a:cs typeface="Consolas" panose="020B0609020204030204" pitchFamily="49" charset="0"/>
-              </a:rPr>
-              <a:t>"</a:t>
-            </a:r>
-            <a:r>
-              <a:rPr lang="hr-HR" altLang="sr-Latn-RS" sz="2400" dirty="0">
-                <a:latin typeface="Consolas" panose="020B0609020204030204" pitchFamily="49" charset="0"/>
-                <a:cs typeface="Consolas" panose="020B0609020204030204" pitchFamily="49" charset="0"/>
-              </a:rPr>
-              <a:t>; </a:t>
+              <a:t>Crvena čokolada"</a:t>
             </a:r>
             <a:r>
               <a:rPr lang="hr-HR" altLang="sr-Latn-RS" sz="2400" dirty="0" smtClean="0">
                 <a:latin typeface="Consolas" panose="020B0609020204030204" pitchFamily="49" charset="0"/>
                 <a:cs typeface="Consolas" panose="020B0609020204030204" pitchFamily="49" charset="0"/>
               </a:rPr>
-              <a:t>}</a:t>
+              <a:t>; }</a:t>
             </a:r>
           </a:p>
           <a:p>
@@ -9539,22 +9451,34 @@
               <a:t>string </a:t>
             </a:r>
             <a:r>
+              <a:rPr lang="hr-HR" altLang="sr-Latn-RS" sz="2400" dirty="0">
+                <a:solidFill>
+                  <a:srgbClr val="C00000"/>
+                </a:solidFill>
+                <a:latin typeface="Consolas" panose="020B0609020204030204" pitchFamily="49" charset="0"/>
+                <a:cs typeface="Consolas" panose="020B0609020204030204" pitchFamily="49" charset="0"/>
+              </a:rPr>
+              <a:t>Sastojci</a:t>
+            </a:r>
+          </a:p>
+          <a:p>
+            <a:pPr marL="0" indent="0">
+              <a:buNone/>
+            </a:pPr>
+            <a:r>
+              <a:rPr lang="hr-HR" altLang="sr-Latn-RS" sz="2400" dirty="0">
+                <a:latin typeface="Consolas" panose="020B0609020204030204" pitchFamily="49" charset="0"/>
+                <a:cs typeface="Consolas" panose="020B0609020204030204" pitchFamily="49" charset="0"/>
+              </a:rPr>
+              <a:t>  </a:t>
+            </a:r>
+            <a:r>
               <a:rPr lang="hr-HR" altLang="sr-Latn-RS" sz="2400" dirty="0" smtClean="0">
-                <a:solidFill>
-                  <a:srgbClr val="C00000"/>
-                </a:solidFill>
-                <a:latin typeface="Consolas" panose="020B0609020204030204" pitchFamily="49" charset="0"/>
-                <a:cs typeface="Consolas" panose="020B0609020204030204" pitchFamily="49" charset="0"/>
-              </a:rPr>
-              <a:t>Tip</a:t>
-            </a:r>
-            <a:endParaRPr lang="hr-HR" altLang="sr-Latn-RS" sz="2400" dirty="0">
-              <a:solidFill>
-                <a:srgbClr val="C00000"/>
-              </a:solidFill>
-              <a:latin typeface="Consolas" panose="020B0609020204030204" pitchFamily="49" charset="0"/>
-              <a:cs typeface="Consolas" panose="020B0609020204030204" pitchFamily="49" charset="0"/>
-            </a:endParaRPr>
+                <a:latin typeface="Consolas" panose="020B0609020204030204" pitchFamily="49" charset="0"/>
+                <a:cs typeface="Consolas" panose="020B0609020204030204" pitchFamily="49" charset="0"/>
+              </a:rPr>
+              <a:t> { </a:t>
+            </a:r>
           </a:p>
           <a:p>
             <a:pPr marL="0" indent="0">
@@ -9565,64 +9489,38 @@
                 <a:latin typeface="Consolas" panose="020B0609020204030204" pitchFamily="49" charset="0"/>
                 <a:cs typeface="Consolas" panose="020B0609020204030204" pitchFamily="49" charset="0"/>
               </a:rPr>
-              <a:t>  </a:t>
+              <a:t> </a:t>
             </a:r>
             <a:r>
               <a:rPr lang="hr-HR" altLang="sr-Latn-RS" sz="2400" dirty="0" smtClean="0">
                 <a:latin typeface="Consolas" panose="020B0609020204030204" pitchFamily="49" charset="0"/>
                 <a:cs typeface="Consolas" panose="020B0609020204030204" pitchFamily="49" charset="0"/>
               </a:rPr>
-              <a:t> { </a:t>
-            </a:r>
-          </a:p>
-          <a:p>
-            <a:pPr marL="0" indent="0">
-              <a:buNone/>
-            </a:pPr>
+              <a:t>     get </a:t>
+            </a:r>
             <a:r>
               <a:rPr lang="hr-HR" altLang="sr-Latn-RS" sz="2400" dirty="0">
                 <a:latin typeface="Consolas" panose="020B0609020204030204" pitchFamily="49" charset="0"/>
                 <a:cs typeface="Consolas" panose="020B0609020204030204" pitchFamily="49" charset="0"/>
               </a:rPr>
-              <a:t> </a:t>
+              <a:t>{ return </a:t>
             </a:r>
             <a:r>
               <a:rPr lang="hr-HR" altLang="sr-Latn-RS" sz="2400" dirty="0" smtClean="0">
-                <a:latin typeface="Consolas" panose="020B0609020204030204" pitchFamily="49" charset="0"/>
-                <a:cs typeface="Consolas" panose="020B0609020204030204" pitchFamily="49" charset="0"/>
-              </a:rPr>
-              <a:t>     get </a:t>
-            </a:r>
-            <a:r>
-              <a:rPr lang="hr-HR" altLang="sr-Latn-RS" sz="2400" dirty="0">
-                <a:latin typeface="Consolas" panose="020B0609020204030204" pitchFamily="49" charset="0"/>
-                <a:cs typeface="Consolas" panose="020B0609020204030204" pitchFamily="49" charset="0"/>
-              </a:rPr>
-              <a:t>{ return </a:t>
-            </a:r>
-            <a:r>
-              <a:rPr lang="hr-HR" altLang="sr-Latn-RS" sz="2400" dirty="0">
                 <a:solidFill>
                   <a:srgbClr val="006699"/>
                 </a:solidFill>
                 <a:latin typeface="Consolas" panose="020B0609020204030204" pitchFamily="49" charset="0"/>
                 <a:cs typeface="Consolas" panose="020B0609020204030204" pitchFamily="49" charset="0"/>
               </a:rPr>
-              <a:t>"čajni"</a:t>
-            </a:r>
-            <a:r>
-              <a:rPr lang="hr-HR" altLang="sr-Latn-RS" sz="2400" dirty="0">
-                <a:latin typeface="Consolas" panose="020B0609020204030204" pitchFamily="49" charset="0"/>
-                <a:cs typeface="Consolas" panose="020B0609020204030204" pitchFamily="49" charset="0"/>
-              </a:rPr>
-              <a:t>; </a:t>
+              <a:t>"Kakao 15%, šećer 45%,        	                mlijeko u prahu 40%"</a:t>
             </a:r>
             <a:r>
               <a:rPr lang="hr-HR" altLang="sr-Latn-RS" sz="2400" dirty="0" smtClean="0">
                 <a:latin typeface="Consolas" panose="020B0609020204030204" pitchFamily="49" charset="0"/>
                 <a:cs typeface="Consolas" panose="020B0609020204030204" pitchFamily="49" charset="0"/>
               </a:rPr>
-              <a:t>}</a:t>
+              <a:t>; }</a:t>
             </a:r>
           </a:p>
           <a:p>
@@ -9659,17 +9557,13 @@
               </a:rPr>
               <a:t>}</a:t>
             </a:r>
-            <a:endParaRPr lang="hr-HR" altLang="sr-Latn-RS" sz="2400" dirty="0" smtClean="0">
-              <a:latin typeface="Consolas" panose="020B0609020204030204" pitchFamily="49" charset="0"/>
-              <a:cs typeface="Consolas" panose="020B0609020204030204" pitchFamily="49" charset="0"/>
-            </a:endParaRPr>
           </a:p>
         </p:txBody>
       </p:sp>
     </p:spTree>
     <p:extLst>
       <p:ext uri="{BB962C8B-B14F-4D97-AF65-F5344CB8AC3E}">
-        <p14:creationId xmlns:p14="http://schemas.microsoft.com/office/powerpoint/2010/main" val="140786201"/>
+        <p14:creationId xmlns:p14="http://schemas.microsoft.com/office/powerpoint/2010/main" val="3107921887"/>
       </p:ext>
     </p:extLst>
   </p:cSld>
@@ -9679,6 +9573,13 @@
   <p:transition>
     <p:fade thruBlk="1"/>
   </p:transition>
+  <p:timing>
+    <p:tnLst>
+      <p:par>
+        <p:cTn id="1" dur="indefinite" restart="never" nodeType="tmRoot"/>
+      </p:par>
+    </p:tnLst>
+  </p:timing>
 </p:sld>
 </file>
 
@@ -9768,7 +9669,7 @@
                 <a:latin typeface="Consolas" panose="020B0609020204030204" pitchFamily="49" charset="0"/>
                 <a:cs typeface="Consolas" panose="020B0609020204030204" pitchFamily="49" charset="0"/>
               </a:rPr>
-              <a:t>CrveniKeks </a:t>
+              <a:t>LjubičastiKeks </a:t>
             </a:r>
             <a:r>
               <a:rPr lang="hr-HR" altLang="sr-Latn-RS" sz="2400" dirty="0" smtClean="0">
@@ -9878,24 +9779,14 @@
               <a:t>{ return </a:t>
             </a:r>
             <a:r>
-              <a:rPr lang="hr-HR" altLang="sr-Latn-RS" sz="2400" dirty="0">
+              <a:rPr lang="hr-HR" altLang="sr-Latn-RS" sz="2400" dirty="0" smtClean="0">
                 <a:solidFill>
                   <a:srgbClr val="006699"/>
                 </a:solidFill>
                 <a:latin typeface="Consolas" panose="020B0609020204030204" pitchFamily="49" charset="0"/>
                 <a:cs typeface="Consolas" panose="020B0609020204030204" pitchFamily="49" charset="0"/>
               </a:rPr>
-              <a:t>"</a:t>
-            </a:r>
-            <a:r>
-              <a:rPr lang="hr-HR" altLang="sr-Latn-RS" sz="2400" dirty="0" smtClean="0">
-                <a:solidFill>
-                  <a:srgbClr val="006699"/>
-                </a:solidFill>
-                <a:latin typeface="Consolas" panose="020B0609020204030204" pitchFamily="49" charset="0"/>
-                <a:cs typeface="Consolas" panose="020B0609020204030204" pitchFamily="49" charset="0"/>
-              </a:rPr>
-              <a:t>Crveni keks</a:t>
+              <a:t>"Ljubičasti keks</a:t>
             </a:r>
             <a:r>
               <a:rPr lang="hr-HR" altLang="sr-Latn-RS" sz="2400" dirty="0">
@@ -10033,24 +9924,21 @@
                 <a:latin typeface="Consolas" panose="020B0609020204030204" pitchFamily="49" charset="0"/>
                 <a:cs typeface="Consolas" panose="020B0609020204030204" pitchFamily="49" charset="0"/>
               </a:rPr>
-              <a:t>"</a:t>
+              <a:t>"čajni"</a:t>
+            </a:r>
+            <a:r>
+              <a:rPr lang="hr-HR" altLang="sr-Latn-RS" sz="2400" dirty="0">
+                <a:latin typeface="Consolas" panose="020B0609020204030204" pitchFamily="49" charset="0"/>
+                <a:cs typeface="Consolas" panose="020B0609020204030204" pitchFamily="49" charset="0"/>
+              </a:rPr>
+              <a:t>; </a:t>
             </a:r>
             <a:r>
               <a:rPr lang="hr-HR" altLang="sr-Latn-RS" sz="2400" dirty="0" smtClean="0">
-                <a:solidFill>
-                  <a:srgbClr val="006699"/>
-                </a:solidFill>
-                <a:latin typeface="Consolas" panose="020B0609020204030204" pitchFamily="49" charset="0"/>
-                <a:cs typeface="Consolas" panose="020B0609020204030204" pitchFamily="49" charset="0"/>
-              </a:rPr>
-              <a:t>vafel"</a:t>
-            </a:r>
-            <a:r>
-              <a:rPr lang="hr-HR" altLang="sr-Latn-RS" sz="2400" dirty="0" smtClean="0">
-                <a:latin typeface="Consolas" panose="020B0609020204030204" pitchFamily="49" charset="0"/>
-                <a:cs typeface="Consolas" panose="020B0609020204030204" pitchFamily="49" charset="0"/>
-              </a:rPr>
-              <a:t>; }</a:t>
+                <a:latin typeface="Consolas" panose="020B0609020204030204" pitchFamily="49" charset="0"/>
+                <a:cs typeface="Consolas" panose="020B0609020204030204" pitchFamily="49" charset="0"/>
+              </a:rPr>
+              <a:t>}</a:t>
             </a:r>
           </a:p>
           <a:p>
@@ -10087,17 +9975,13 @@
               </a:rPr>
               <a:t>}</a:t>
             </a:r>
-            <a:endParaRPr lang="hr-HR" altLang="sr-Latn-RS" sz="2400" dirty="0" smtClean="0">
-              <a:latin typeface="Consolas" panose="020B0609020204030204" pitchFamily="49" charset="0"/>
-              <a:cs typeface="Consolas" panose="020B0609020204030204" pitchFamily="49" charset="0"/>
-            </a:endParaRPr>
           </a:p>
         </p:txBody>
       </p:sp>
     </p:spTree>
     <p:extLst>
       <p:ext uri="{BB962C8B-B14F-4D97-AF65-F5344CB8AC3E}">
-        <p14:creationId xmlns:p14="http://schemas.microsoft.com/office/powerpoint/2010/main" val="3533570659"/>
+        <p14:creationId xmlns:p14="http://schemas.microsoft.com/office/powerpoint/2010/main" val="140786201"/>
       </p:ext>
     </p:extLst>
   </p:cSld>
@@ -10107,6 +9991,13 @@
   <p:transition>
     <p:fade thruBlk="1"/>
   </p:transition>
+  <p:timing>
+    <p:tnLst>
+      <p:par>
+        <p:cTn id="1" dur="indefinite" restart="never" nodeType="tmRoot"/>
+      </p:par>
+    </p:tnLst>
+  </p:timing>
 </p:sld>
 </file>
 
@@ -10181,7 +10072,53 @@
             <a:pPr marL="0" indent="0">
               <a:buNone/>
             </a:pPr>
-            <a:endParaRPr lang="hr-HR" altLang="sr-Latn-RS" sz="2400" dirty="0" smtClean="0">
+            <a:r>
+              <a:rPr lang="hr-HR" altLang="sr-Latn-RS" sz="2400" dirty="0">
+                <a:latin typeface="Consolas" panose="020B0609020204030204" pitchFamily="49" charset="0"/>
+                <a:cs typeface="Consolas" panose="020B0609020204030204" pitchFamily="49" charset="0"/>
+              </a:rPr>
+              <a:t>class </a:t>
+            </a:r>
+            <a:r>
+              <a:rPr lang="hr-HR" altLang="sr-Latn-RS" sz="2400" dirty="0" smtClean="0">
+                <a:solidFill>
+                  <a:srgbClr val="C00000"/>
+                </a:solidFill>
+                <a:latin typeface="Consolas" panose="020B0609020204030204" pitchFamily="49" charset="0"/>
+                <a:cs typeface="Consolas" panose="020B0609020204030204" pitchFamily="49" charset="0"/>
+              </a:rPr>
+              <a:t>CrveniKeks </a:t>
+            </a:r>
+            <a:r>
+              <a:rPr lang="hr-HR" altLang="sr-Latn-RS" sz="2400" dirty="0" smtClean="0">
+                <a:latin typeface="Consolas" panose="020B0609020204030204" pitchFamily="49" charset="0"/>
+                <a:cs typeface="Consolas" panose="020B0609020204030204" pitchFamily="49" charset="0"/>
+              </a:rPr>
+              <a:t>: </a:t>
+            </a:r>
+            <a:r>
+              <a:rPr lang="hr-HR" altLang="sr-Latn-RS" sz="2400" dirty="0">
+                <a:solidFill>
+                  <a:srgbClr val="C00000"/>
+                </a:solidFill>
+                <a:latin typeface="Consolas" panose="020B0609020204030204" pitchFamily="49" charset="0"/>
+                <a:cs typeface="Consolas" panose="020B0609020204030204" pitchFamily="49" charset="0"/>
+              </a:rPr>
+              <a:t>IKeks</a:t>
+            </a:r>
+          </a:p>
+          <a:p>
+            <a:pPr marL="0" indent="0">
+              <a:buNone/>
+            </a:pPr>
+            <a:r>
+              <a:rPr lang="hr-HR" altLang="sr-Latn-RS" sz="2400" dirty="0" smtClean="0">
+                <a:latin typeface="Consolas" panose="020B0609020204030204" pitchFamily="49" charset="0"/>
+                <a:cs typeface="Consolas" panose="020B0609020204030204" pitchFamily="49" charset="0"/>
+              </a:rPr>
+              <a:t>{</a:t>
+            </a:r>
+            <a:endParaRPr lang="hr-HR" altLang="sr-Latn-RS" sz="2400" dirty="0">
               <a:latin typeface="Consolas" panose="020B0609020204030204" pitchFamily="49" charset="0"/>
               <a:cs typeface="Consolas" panose="020B0609020204030204" pitchFamily="49" charset="0"/>
             </a:endParaRPr>
@@ -10191,28 +10128,173 @@
               <a:buNone/>
             </a:pPr>
             <a:r>
+              <a:rPr lang="hr-HR" altLang="sr-Latn-RS" sz="2400" dirty="0" smtClean="0">
+                <a:latin typeface="Consolas" panose="020B0609020204030204" pitchFamily="49" charset="0"/>
+                <a:cs typeface="Consolas" panose="020B0609020204030204" pitchFamily="49" charset="0"/>
+              </a:rPr>
+              <a:t>   public </a:t>
+            </a:r>
+            <a:r>
               <a:rPr lang="hr-HR" altLang="sr-Latn-RS" sz="2400" dirty="0">
-                <a:solidFill>
-                  <a:srgbClr val="00B050"/>
-                </a:solidFill>
-                <a:latin typeface="Consolas" panose="020B0609020204030204" pitchFamily="49" charset="0"/>
-                <a:cs typeface="Consolas" panose="020B0609020204030204" pitchFamily="49" charset="0"/>
-              </a:rPr>
-              <a:t>// </a:t>
+                <a:latin typeface="Consolas" panose="020B0609020204030204" pitchFamily="49" charset="0"/>
+                <a:cs typeface="Consolas" panose="020B0609020204030204" pitchFamily="49" charset="0"/>
+              </a:rPr>
+              <a:t>string </a:t>
+            </a:r>
+            <a:r>
+              <a:rPr lang="hr-HR" altLang="sr-Latn-RS" sz="2400" dirty="0">
+                <a:solidFill>
+                  <a:srgbClr val="C00000"/>
+                </a:solidFill>
+                <a:latin typeface="Consolas" panose="020B0609020204030204" pitchFamily="49" charset="0"/>
+                <a:cs typeface="Consolas" panose="020B0609020204030204" pitchFamily="49" charset="0"/>
+              </a:rPr>
+              <a:t>Naziv</a:t>
+            </a:r>
+          </a:p>
+          <a:p>
+            <a:pPr marL="0" indent="0">
+              <a:buNone/>
+            </a:pPr>
+            <a:r>
+              <a:rPr lang="hr-HR" altLang="sr-Latn-RS" sz="2400" dirty="0">
+                <a:latin typeface="Consolas" panose="020B0609020204030204" pitchFamily="49" charset="0"/>
+                <a:cs typeface="Consolas" panose="020B0609020204030204" pitchFamily="49" charset="0"/>
+              </a:rPr>
+              <a:t>  </a:t>
             </a:r>
             <a:r>
               <a:rPr lang="hr-HR" altLang="sr-Latn-RS" sz="2400" dirty="0" smtClean="0">
-                <a:solidFill>
-                  <a:srgbClr val="00B050"/>
-                </a:solidFill>
-                <a:latin typeface="Consolas" panose="020B0609020204030204" pitchFamily="49" charset="0"/>
-                <a:cs typeface="Consolas" panose="020B0609020204030204" pitchFamily="49" charset="0"/>
-              </a:rPr>
-              <a:t>AbstractFactory</a:t>
+                <a:latin typeface="Consolas" panose="020B0609020204030204" pitchFamily="49" charset="0"/>
+                <a:cs typeface="Consolas" panose="020B0609020204030204" pitchFamily="49" charset="0"/>
+              </a:rPr>
+              <a:t> { </a:t>
+            </a:r>
+          </a:p>
+          <a:p>
+            <a:pPr marL="0" indent="0">
+              <a:buNone/>
+            </a:pPr>
+            <a:r>
+              <a:rPr lang="hr-HR" altLang="sr-Latn-RS" sz="2400" dirty="0">
+                <a:latin typeface="Consolas" panose="020B0609020204030204" pitchFamily="49" charset="0"/>
+                <a:cs typeface="Consolas" panose="020B0609020204030204" pitchFamily="49" charset="0"/>
+              </a:rPr>
+              <a:t> </a:t>
+            </a:r>
+            <a:r>
+              <a:rPr lang="hr-HR" altLang="sr-Latn-RS" sz="2400" dirty="0" smtClean="0">
+                <a:latin typeface="Consolas" panose="020B0609020204030204" pitchFamily="49" charset="0"/>
+                <a:cs typeface="Consolas" panose="020B0609020204030204" pitchFamily="49" charset="0"/>
+              </a:rPr>
+              <a:t>     get </a:t>
+            </a:r>
+            <a:r>
+              <a:rPr lang="hr-HR" altLang="sr-Latn-RS" sz="2400" dirty="0">
+                <a:latin typeface="Consolas" panose="020B0609020204030204" pitchFamily="49" charset="0"/>
+                <a:cs typeface="Consolas" panose="020B0609020204030204" pitchFamily="49" charset="0"/>
+              </a:rPr>
+              <a:t>{ return </a:t>
+            </a:r>
+            <a:r>
+              <a:rPr lang="hr-HR" altLang="sr-Latn-RS" sz="2400" dirty="0">
+                <a:solidFill>
+                  <a:srgbClr val="006699"/>
+                </a:solidFill>
+                <a:latin typeface="Consolas" panose="020B0609020204030204" pitchFamily="49" charset="0"/>
+                <a:cs typeface="Consolas" panose="020B0609020204030204" pitchFamily="49" charset="0"/>
+              </a:rPr>
+              <a:t>"</a:t>
+            </a:r>
+            <a:r>
+              <a:rPr lang="hr-HR" altLang="sr-Latn-RS" sz="2400" dirty="0" smtClean="0">
+                <a:solidFill>
+                  <a:srgbClr val="006699"/>
+                </a:solidFill>
+                <a:latin typeface="Consolas" panose="020B0609020204030204" pitchFamily="49" charset="0"/>
+                <a:cs typeface="Consolas" panose="020B0609020204030204" pitchFamily="49" charset="0"/>
+              </a:rPr>
+              <a:t>Crveni keks</a:t>
+            </a:r>
+            <a:r>
+              <a:rPr lang="hr-HR" altLang="sr-Latn-RS" sz="2400" dirty="0">
+                <a:solidFill>
+                  <a:srgbClr val="006699"/>
+                </a:solidFill>
+                <a:latin typeface="Consolas" panose="020B0609020204030204" pitchFamily="49" charset="0"/>
+                <a:cs typeface="Consolas" panose="020B0609020204030204" pitchFamily="49" charset="0"/>
+              </a:rPr>
+              <a:t>"</a:t>
+            </a:r>
+            <a:r>
+              <a:rPr lang="hr-HR" altLang="sr-Latn-RS" sz="2400" dirty="0">
+                <a:latin typeface="Consolas" panose="020B0609020204030204" pitchFamily="49" charset="0"/>
+                <a:cs typeface="Consolas" panose="020B0609020204030204" pitchFamily="49" charset="0"/>
+              </a:rPr>
+              <a:t>; </a:t>
+            </a:r>
+            <a:r>
+              <a:rPr lang="hr-HR" altLang="sr-Latn-RS" sz="2400" dirty="0" smtClean="0">
+                <a:latin typeface="Consolas" panose="020B0609020204030204" pitchFamily="49" charset="0"/>
+                <a:cs typeface="Consolas" panose="020B0609020204030204" pitchFamily="49" charset="0"/>
+              </a:rPr>
+              <a:t>}</a:t>
+            </a:r>
+          </a:p>
+          <a:p>
+            <a:pPr marL="0" indent="0">
+              <a:buNone/>
+            </a:pPr>
+            <a:r>
+              <a:rPr lang="hr-HR" altLang="sr-Latn-RS" sz="2400" dirty="0">
+                <a:latin typeface="Consolas" panose="020B0609020204030204" pitchFamily="49" charset="0"/>
+                <a:cs typeface="Consolas" panose="020B0609020204030204" pitchFamily="49" charset="0"/>
+              </a:rPr>
+              <a:t> </a:t>
+            </a:r>
+            <a:r>
+              <a:rPr lang="hr-HR" altLang="sr-Latn-RS" sz="2400" dirty="0" smtClean="0">
+                <a:latin typeface="Consolas" panose="020B0609020204030204" pitchFamily="49" charset="0"/>
+                <a:cs typeface="Consolas" panose="020B0609020204030204" pitchFamily="49" charset="0"/>
+              </a:rPr>
+              <a:t>  }</a:t>
+            </a:r>
+            <a:endParaRPr lang="hr-HR" altLang="sr-Latn-RS" sz="2400" dirty="0">
+              <a:latin typeface="Consolas" panose="020B0609020204030204" pitchFamily="49" charset="0"/>
+              <a:cs typeface="Consolas" panose="020B0609020204030204" pitchFamily="49" charset="0"/>
+            </a:endParaRPr>
+          </a:p>
+          <a:p>
+            <a:pPr marL="0" indent="0">
+              <a:buNone/>
+            </a:pPr>
+            <a:r>
+              <a:rPr lang="hr-HR" altLang="sr-Latn-RS" sz="2400" dirty="0" smtClean="0">
+                <a:latin typeface="Consolas" panose="020B0609020204030204" pitchFamily="49" charset="0"/>
+                <a:cs typeface="Consolas" panose="020B0609020204030204" pitchFamily="49" charset="0"/>
+              </a:rPr>
+              <a:t>   public </a:t>
+            </a:r>
+            <a:r>
+              <a:rPr lang="hr-HR" altLang="sr-Latn-RS" sz="2400" dirty="0">
+                <a:latin typeface="Consolas" panose="020B0609020204030204" pitchFamily="49" charset="0"/>
+                <a:cs typeface="Consolas" panose="020B0609020204030204" pitchFamily="49" charset="0"/>
+              </a:rPr>
+              <a:t>string </a:t>
+            </a:r>
+            <a:r>
+              <a:rPr lang="hr-HR" altLang="sr-Latn-RS" sz="2400" dirty="0" smtClean="0">
+                <a:solidFill>
+                  <a:srgbClr val="C00000"/>
+                </a:solidFill>
+                <a:latin typeface="Consolas" panose="020B0609020204030204" pitchFamily="49" charset="0"/>
+                <a:cs typeface="Consolas" panose="020B0609020204030204" pitchFamily="49" charset="0"/>
+              </a:rPr>
+              <a:t>Tip</a:t>
             </a:r>
             <a:endParaRPr lang="hr-HR" altLang="sr-Latn-RS" sz="2400" dirty="0">
               <a:solidFill>
-                <a:srgbClr val="00B050"/>
+                <a:srgbClr val="C00000"/>
               </a:solidFill>
               <a:latin typeface="Consolas" panose="020B0609020204030204" pitchFamily="49" charset="0"/>
               <a:cs typeface="Consolas" panose="020B0609020204030204" pitchFamily="49" charset="0"/>
@@ -10223,21 +10305,71 @@
               <a:buNone/>
             </a:pPr>
             <a:r>
+              <a:rPr lang="hr-HR" altLang="sr-Latn-RS" sz="2400" dirty="0">
+                <a:latin typeface="Consolas" panose="020B0609020204030204" pitchFamily="49" charset="0"/>
+                <a:cs typeface="Consolas" panose="020B0609020204030204" pitchFamily="49" charset="0"/>
+              </a:rPr>
+              <a:t>  </a:t>
+            </a:r>
+            <a:r>
               <a:rPr lang="hr-HR" altLang="sr-Latn-RS" sz="2400" dirty="0" smtClean="0">
                 <a:latin typeface="Consolas" panose="020B0609020204030204" pitchFamily="49" charset="0"/>
                 <a:cs typeface="Consolas" panose="020B0609020204030204" pitchFamily="49" charset="0"/>
               </a:rPr>
-              <a:t>interface </a:t>
+              <a:t> { </a:t>
+            </a:r>
+          </a:p>
+          <a:p>
+            <a:pPr marL="0" indent="0">
+              <a:buNone/>
+            </a:pPr>
+            <a:r>
+              <a:rPr lang="hr-HR" altLang="sr-Latn-RS" sz="2400" dirty="0">
+                <a:latin typeface="Consolas" panose="020B0609020204030204" pitchFamily="49" charset="0"/>
+                <a:cs typeface="Consolas" panose="020B0609020204030204" pitchFamily="49" charset="0"/>
+              </a:rPr>
+              <a:t> </a:t>
             </a:r>
             <a:r>
               <a:rPr lang="hr-HR" altLang="sr-Latn-RS" sz="2400" dirty="0" smtClean="0">
-                <a:solidFill>
-                  <a:srgbClr val="C00000"/>
-                </a:solidFill>
-                <a:latin typeface="Consolas" panose="020B0609020204030204" pitchFamily="49" charset="0"/>
-                <a:cs typeface="Consolas" panose="020B0609020204030204" pitchFamily="49" charset="0"/>
-              </a:rPr>
-              <a:t>ITvornicaSlatkiša </a:t>
+                <a:latin typeface="Consolas" panose="020B0609020204030204" pitchFamily="49" charset="0"/>
+                <a:cs typeface="Consolas" panose="020B0609020204030204" pitchFamily="49" charset="0"/>
+              </a:rPr>
+              <a:t>     get </a:t>
+            </a:r>
+            <a:r>
+              <a:rPr lang="hr-HR" altLang="sr-Latn-RS" sz="2400" dirty="0">
+                <a:latin typeface="Consolas" panose="020B0609020204030204" pitchFamily="49" charset="0"/>
+                <a:cs typeface="Consolas" panose="020B0609020204030204" pitchFamily="49" charset="0"/>
+              </a:rPr>
+              <a:t>{ return </a:t>
+            </a:r>
+            <a:r>
+              <a:rPr lang="hr-HR" altLang="sr-Latn-RS" sz="2400" dirty="0">
+                <a:solidFill>
+                  <a:srgbClr val="006699"/>
+                </a:solidFill>
+                <a:latin typeface="Consolas" panose="020B0609020204030204" pitchFamily="49" charset="0"/>
+                <a:cs typeface="Consolas" panose="020B0609020204030204" pitchFamily="49" charset="0"/>
+              </a:rPr>
+              <a:t>"</a:t>
+            </a:r>
+            <a:r>
+              <a:rPr lang="hr-HR" altLang="sr-Latn-RS" sz="2400" dirty="0" smtClean="0">
+                <a:solidFill>
+                  <a:srgbClr val="006699"/>
+                </a:solidFill>
+                <a:latin typeface="Consolas" panose="020B0609020204030204" pitchFamily="49" charset="0"/>
+                <a:cs typeface="Consolas" panose="020B0609020204030204" pitchFamily="49" charset="0"/>
+              </a:rPr>
+              <a:t>vafel"</a:t>
+            </a:r>
+            <a:r>
+              <a:rPr lang="hr-HR" altLang="sr-Latn-RS" sz="2400" dirty="0" smtClean="0">
+                <a:latin typeface="Consolas" panose="020B0609020204030204" pitchFamily="49" charset="0"/>
+                <a:cs typeface="Consolas" panose="020B0609020204030204" pitchFamily="49" charset="0"/>
+              </a:rPr>
+              <a:t>; }</a:t>
             </a:r>
           </a:p>
           <a:p>
@@ -10246,9 +10378,6 @@
             </a:pPr>
             <a:r>
               <a:rPr lang="hr-HR" altLang="sr-Latn-RS" sz="2400" dirty="0">
-                <a:solidFill>
-                  <a:srgbClr val="C00000"/>
-                </a:solidFill>
                 <a:latin typeface="Consolas" panose="020B0609020204030204" pitchFamily="49" charset="0"/>
                 <a:cs typeface="Consolas" panose="020B0609020204030204" pitchFamily="49" charset="0"/>
               </a:rPr>
@@ -10256,20 +10385,10 @@
             </a:r>
             <a:r>
               <a:rPr lang="hr-HR" altLang="sr-Latn-RS" sz="2400" dirty="0" smtClean="0">
-                <a:solidFill>
-                  <a:srgbClr val="C00000"/>
-                </a:solidFill>
-                <a:latin typeface="Consolas" panose="020B0609020204030204" pitchFamily="49" charset="0"/>
-                <a:cs typeface="Consolas" panose="020B0609020204030204" pitchFamily="49" charset="0"/>
-              </a:rPr>
-              <a:t>   </a:t>
-            </a:r>
-            <a:r>
-              <a:rPr lang="hr-HR" altLang="sr-Latn-RS" sz="2400" dirty="0" smtClean="0">
-                <a:latin typeface="Consolas" panose="020B0609020204030204" pitchFamily="49" charset="0"/>
-                <a:cs typeface="Consolas" panose="020B0609020204030204" pitchFamily="49" charset="0"/>
-              </a:rPr>
-              <a:t>{</a:t>
+                <a:latin typeface="Consolas" panose="020B0609020204030204" pitchFamily="49" charset="0"/>
+                <a:cs typeface="Consolas" panose="020B0609020204030204" pitchFamily="49" charset="0"/>
+              </a:rPr>
+              <a:t>  }</a:t>
             </a:r>
             <a:endParaRPr lang="hr-HR" altLang="sr-Latn-RS" sz="2400" dirty="0">
               <a:latin typeface="Consolas" panose="020B0609020204030204" pitchFamily="49" charset="0"/>
@@ -10281,80 +10400,11 @@
               <a:buNone/>
             </a:pPr>
             <a:r>
-              <a:rPr lang="hr-HR" altLang="sr-Latn-RS" sz="2400" dirty="0">
-                <a:latin typeface="Consolas" panose="020B0609020204030204" pitchFamily="49" charset="0"/>
-                <a:cs typeface="Consolas" panose="020B0609020204030204" pitchFamily="49" charset="0"/>
-              </a:rPr>
-              <a:t>        </a:t>
-            </a:r>
-            <a:r>
               <a:rPr lang="hr-HR" altLang="sr-Latn-RS" sz="2400" dirty="0" smtClean="0">
                 <a:latin typeface="Consolas" panose="020B0609020204030204" pitchFamily="49" charset="0"/>
                 <a:cs typeface="Consolas" panose="020B0609020204030204" pitchFamily="49" charset="0"/>
               </a:rPr>
-              <a:t>IČokolada </a:t>
-            </a:r>
-            <a:r>
-              <a:rPr lang="hr-HR" altLang="sr-Latn-RS" sz="2400" dirty="0" smtClean="0">
-                <a:solidFill>
-                  <a:srgbClr val="C00000"/>
-                </a:solidFill>
-                <a:latin typeface="Consolas" panose="020B0609020204030204" pitchFamily="49" charset="0"/>
-                <a:cs typeface="Consolas" panose="020B0609020204030204" pitchFamily="49" charset="0"/>
-              </a:rPr>
-              <a:t>napraviČokoladu();</a:t>
-            </a:r>
-            <a:endParaRPr lang="hr-HR" altLang="sr-Latn-RS" sz="2400" dirty="0" smtClean="0">
-              <a:latin typeface="Consolas" panose="020B0609020204030204" pitchFamily="49" charset="0"/>
-              <a:cs typeface="Consolas" panose="020B0609020204030204" pitchFamily="49" charset="0"/>
-            </a:endParaRPr>
-          </a:p>
-          <a:p>
-            <a:pPr marL="0" indent="0">
-              <a:buNone/>
-            </a:pPr>
-            <a:r>
-              <a:rPr lang="hr-HR" altLang="sr-Latn-RS" sz="2400" dirty="0" smtClean="0">
-                <a:latin typeface="Consolas" panose="020B0609020204030204" pitchFamily="49" charset="0"/>
-                <a:cs typeface="Consolas" panose="020B0609020204030204" pitchFamily="49" charset="0"/>
-              </a:rPr>
-              <a:t>        IKeks </a:t>
-            </a:r>
-            <a:r>
-              <a:rPr lang="hr-HR" altLang="sr-Latn-RS" sz="2400" dirty="0">
-                <a:solidFill>
-                  <a:srgbClr val="C00000"/>
-                </a:solidFill>
-                <a:latin typeface="Consolas" panose="020B0609020204030204" pitchFamily="49" charset="0"/>
-                <a:cs typeface="Consolas" panose="020B0609020204030204" pitchFamily="49" charset="0"/>
-              </a:rPr>
-              <a:t>napraviKeks();</a:t>
-            </a:r>
-            <a:r>
-              <a:rPr lang="hr-HR" altLang="sr-Latn-RS" sz="2400" dirty="0" smtClean="0">
-                <a:latin typeface="Consolas" panose="020B0609020204030204" pitchFamily="49" charset="0"/>
-                <a:cs typeface="Consolas" panose="020B0609020204030204" pitchFamily="49" charset="0"/>
-              </a:rPr>
-              <a:t>    </a:t>
-            </a:r>
-          </a:p>
-          <a:p>
-            <a:pPr marL="0" indent="0">
-              <a:buNone/>
-            </a:pPr>
-            <a:r>
-              <a:rPr lang="hr-HR" altLang="sr-Latn-RS" sz="2400" dirty="0">
-                <a:latin typeface="Consolas" panose="020B0609020204030204" pitchFamily="49" charset="0"/>
-                <a:cs typeface="Consolas" panose="020B0609020204030204" pitchFamily="49" charset="0"/>
-              </a:rPr>
-              <a:t> </a:t>
-            </a:r>
-            <a:r>
-              <a:rPr lang="hr-HR" altLang="sr-Latn-RS" sz="2400" dirty="0" smtClean="0">
-                <a:latin typeface="Consolas" panose="020B0609020204030204" pitchFamily="49" charset="0"/>
-                <a:cs typeface="Consolas" panose="020B0609020204030204" pitchFamily="49" charset="0"/>
-              </a:rPr>
-              <a:t>   }</a:t>
+              <a:t>}</a:t>
             </a:r>
           </a:p>
         </p:txBody>
@@ -10362,7 +10412,7 @@
     </p:spTree>
     <p:extLst>
       <p:ext uri="{BB962C8B-B14F-4D97-AF65-F5344CB8AC3E}">
-        <p14:creationId xmlns:p14="http://schemas.microsoft.com/office/powerpoint/2010/main" val="1663760597"/>
+        <p14:creationId xmlns:p14="http://schemas.microsoft.com/office/powerpoint/2010/main" val="3533570659"/>
       </p:ext>
     </p:extLst>
   </p:cSld>
@@ -10372,6 +10422,13 @@
   <p:transition>
     <p:fade thruBlk="1"/>
   </p:transition>
+  <p:timing>
+    <p:tnLst>
+      <p:par>
+        <p:cTn id="1" dur="indefinite" restart="never" nodeType="tmRoot"/>
+      </p:par>
+    </p:tnLst>
+  </p:timing>
 </p:sld>
 </file>
 
@@ -10446,43 +10503,38 @@
             <a:pPr marL="0" indent="0">
               <a:buNone/>
             </a:pPr>
+            <a:endParaRPr lang="hr-HR" altLang="sr-Latn-RS" sz="2400" dirty="0" smtClean="0">
+              <a:latin typeface="Consolas" panose="020B0609020204030204" pitchFamily="49" charset="0"/>
+              <a:cs typeface="Consolas" panose="020B0609020204030204" pitchFamily="49" charset="0"/>
+            </a:endParaRPr>
+          </a:p>
+          <a:p>
+            <a:pPr marL="0" indent="0">
+              <a:buNone/>
+            </a:pPr>
             <a:r>
               <a:rPr lang="hr-HR" altLang="sr-Latn-RS" sz="2400" dirty="0">
-                <a:latin typeface="Consolas" panose="020B0609020204030204" pitchFamily="49" charset="0"/>
-                <a:cs typeface="Consolas" panose="020B0609020204030204" pitchFamily="49" charset="0"/>
-              </a:rPr>
-              <a:t>class </a:t>
+                <a:solidFill>
+                  <a:srgbClr val="00B050"/>
+                </a:solidFill>
+                <a:latin typeface="Consolas" panose="020B0609020204030204" pitchFamily="49" charset="0"/>
+                <a:cs typeface="Consolas" panose="020B0609020204030204" pitchFamily="49" charset="0"/>
+              </a:rPr>
+              <a:t>// </a:t>
             </a:r>
             <a:r>
               <a:rPr lang="hr-HR" altLang="sr-Latn-RS" sz="2400" dirty="0" smtClean="0">
                 <a:solidFill>
-                  <a:srgbClr val="C00000"/>
-                </a:solidFill>
-                <a:latin typeface="Consolas" panose="020B0609020204030204" pitchFamily="49" charset="0"/>
-                <a:cs typeface="Consolas" panose="020B0609020204030204" pitchFamily="49" charset="0"/>
-              </a:rPr>
-              <a:t>LjubičastaTvornicaSlatkiša </a:t>
-            </a:r>
-            <a:r>
-              <a:rPr lang="hr-HR" altLang="sr-Latn-RS" sz="2400" dirty="0" smtClean="0">
-                <a:latin typeface="Consolas" panose="020B0609020204030204" pitchFamily="49" charset="0"/>
-                <a:cs typeface="Consolas" panose="020B0609020204030204" pitchFamily="49" charset="0"/>
-              </a:rPr>
-              <a:t>:   							</a:t>
-            </a:r>
-            <a:r>
-              <a:rPr lang="hr-HR" altLang="sr-Latn-RS" sz="2400" dirty="0" smtClean="0">
-                <a:solidFill>
-                  <a:srgbClr val="C00000"/>
-                </a:solidFill>
-                <a:latin typeface="Consolas" panose="020B0609020204030204" pitchFamily="49" charset="0"/>
-                <a:cs typeface="Consolas" panose="020B0609020204030204" pitchFamily="49" charset="0"/>
-              </a:rPr>
-              <a:t>ITvornicaSlatkiša</a:t>
+                  <a:srgbClr val="00B050"/>
+                </a:solidFill>
+                <a:latin typeface="Consolas" panose="020B0609020204030204" pitchFamily="49" charset="0"/>
+                <a:cs typeface="Consolas" panose="020B0609020204030204" pitchFamily="49" charset="0"/>
+              </a:rPr>
+              <a:t>AbstractFactory</a:t>
             </a:r>
             <a:endParaRPr lang="hr-HR" altLang="sr-Latn-RS" sz="2400" dirty="0">
               <a:solidFill>
-                <a:srgbClr val="C00000"/>
+                <a:srgbClr val="00B050"/>
               </a:solidFill>
               <a:latin typeface="Consolas" panose="020B0609020204030204" pitchFamily="49" charset="0"/>
               <a:cs typeface="Consolas" panose="020B0609020204030204" pitchFamily="49" charset="0"/>
@@ -10497,6 +10549,48 @@
                 <a:latin typeface="Consolas" panose="020B0609020204030204" pitchFamily="49" charset="0"/>
                 <a:cs typeface="Consolas" panose="020B0609020204030204" pitchFamily="49" charset="0"/>
               </a:rPr>
+              <a:t>interface </a:t>
+            </a:r>
+            <a:r>
+              <a:rPr lang="hr-HR" altLang="sr-Latn-RS" sz="2400" dirty="0" smtClean="0">
+                <a:solidFill>
+                  <a:srgbClr val="C00000"/>
+                </a:solidFill>
+                <a:latin typeface="Consolas" panose="020B0609020204030204" pitchFamily="49" charset="0"/>
+                <a:cs typeface="Consolas" panose="020B0609020204030204" pitchFamily="49" charset="0"/>
+              </a:rPr>
+              <a:t>ITvornicaSlatkiša </a:t>
+            </a:r>
+          </a:p>
+          <a:p>
+            <a:pPr marL="0" indent="0">
+              <a:buNone/>
+            </a:pPr>
+            <a:r>
+              <a:rPr lang="hr-HR" altLang="sr-Latn-RS" sz="2400" dirty="0">
+                <a:solidFill>
+                  <a:srgbClr val="C00000"/>
+                </a:solidFill>
+                <a:latin typeface="Consolas" panose="020B0609020204030204" pitchFamily="49" charset="0"/>
+                <a:cs typeface="Consolas" panose="020B0609020204030204" pitchFamily="49" charset="0"/>
+              </a:rPr>
+              <a:t> </a:t>
+            </a:r>
+            <a:r>
+              <a:rPr lang="hr-HR" altLang="sr-Latn-RS" sz="2400" dirty="0" smtClean="0">
+                <a:solidFill>
+                  <a:srgbClr val="C00000"/>
+                </a:solidFill>
+                <a:latin typeface="Consolas" panose="020B0609020204030204" pitchFamily="49" charset="0"/>
+                <a:cs typeface="Consolas" panose="020B0609020204030204" pitchFamily="49" charset="0"/>
+              </a:rPr>
+              <a:t>   </a:t>
+            </a:r>
+            <a:r>
+              <a:rPr lang="hr-HR" altLang="sr-Latn-RS" sz="2400" dirty="0" smtClean="0">
+                <a:latin typeface="Consolas" panose="020B0609020204030204" pitchFamily="49" charset="0"/>
+                <a:cs typeface="Consolas" panose="020B0609020204030204" pitchFamily="49" charset="0"/>
+              </a:rPr>
               <a:t>{</a:t>
             </a:r>
             <a:endParaRPr lang="hr-HR" altLang="sr-Latn-RS" sz="2400" dirty="0">
@@ -10509,66 +10603,28 @@
               <a:buNone/>
             </a:pPr>
             <a:r>
+              <a:rPr lang="hr-HR" altLang="sr-Latn-RS" sz="2400" dirty="0">
+                <a:latin typeface="Consolas" panose="020B0609020204030204" pitchFamily="49" charset="0"/>
+                <a:cs typeface="Consolas" panose="020B0609020204030204" pitchFamily="49" charset="0"/>
+              </a:rPr>
+              <a:t>        </a:t>
+            </a:r>
+            <a:r>
               <a:rPr lang="hr-HR" altLang="sr-Latn-RS" sz="2400" dirty="0" smtClean="0">
                 <a:latin typeface="Consolas" panose="020B0609020204030204" pitchFamily="49" charset="0"/>
                 <a:cs typeface="Consolas" panose="020B0609020204030204" pitchFamily="49" charset="0"/>
               </a:rPr>
-              <a:t>   </a:t>
-            </a:r>
-            <a:r>
-              <a:rPr lang="hr-HR" altLang="sr-Latn-RS" sz="2400" dirty="0">
-                <a:latin typeface="Consolas" panose="020B0609020204030204" pitchFamily="49" charset="0"/>
-                <a:cs typeface="Consolas" panose="020B0609020204030204" pitchFamily="49" charset="0"/>
-              </a:rPr>
-              <a:t>public </a:t>
+              <a:t>IČokolada </a:t>
             </a:r>
             <a:r>
               <a:rPr lang="hr-HR" altLang="sr-Latn-RS" sz="2400" dirty="0" smtClean="0">
-                <a:latin typeface="Consolas" panose="020B0609020204030204" pitchFamily="49" charset="0"/>
-                <a:cs typeface="Consolas" panose="020B0609020204030204" pitchFamily="49" charset="0"/>
-              </a:rPr>
-              <a:t>IČokolada </a:t>
-            </a:r>
-            <a:r>
-              <a:rPr lang="hr-HR" altLang="sr-Latn-RS" sz="2400" dirty="0">
                 <a:solidFill>
                   <a:srgbClr val="C00000"/>
                 </a:solidFill>
                 <a:latin typeface="Consolas" panose="020B0609020204030204" pitchFamily="49" charset="0"/>
                 <a:cs typeface="Consolas" panose="020B0609020204030204" pitchFamily="49" charset="0"/>
               </a:rPr>
-              <a:t>napraviČokoladu()</a:t>
-            </a:r>
-          </a:p>
-          <a:p>
-            <a:pPr marL="0" indent="0">
-              <a:buNone/>
-            </a:pPr>
-            <a:r>
-              <a:rPr lang="hr-HR" altLang="sr-Latn-RS" sz="2400" dirty="0">
-                <a:latin typeface="Consolas" panose="020B0609020204030204" pitchFamily="49" charset="0"/>
-                <a:cs typeface="Consolas" panose="020B0609020204030204" pitchFamily="49" charset="0"/>
-              </a:rPr>
-              <a:t>  </a:t>
-            </a:r>
-            <a:r>
-              <a:rPr lang="hr-HR" altLang="sr-Latn-RS" sz="2400" dirty="0" smtClean="0">
-                <a:latin typeface="Consolas" panose="020B0609020204030204" pitchFamily="49" charset="0"/>
-                <a:cs typeface="Consolas" panose="020B0609020204030204" pitchFamily="49" charset="0"/>
-              </a:rPr>
-              <a:t> { </a:t>
-            </a:r>
-          </a:p>
-          <a:p>
-            <a:pPr marL="0" indent="0">
-              <a:buNone/>
-            </a:pPr>
-            <a:r>
-              <a:rPr lang="hr-HR" altLang="sr-Latn-RS" sz="2400" dirty="0">
-                <a:latin typeface="Consolas" panose="020B0609020204030204" pitchFamily="49" charset="0"/>
-                <a:cs typeface="Consolas" panose="020B0609020204030204" pitchFamily="49" charset="0"/>
-              </a:rPr>
-              <a:t>      return new LjubičastaČokolada();</a:t>
+              <a:t>napraviČokoladu();</a:t>
             </a:r>
             <a:endParaRPr lang="hr-HR" altLang="sr-Latn-RS" sz="2400" dirty="0" smtClean="0">
               <a:latin typeface="Consolas" panose="020B0609020204030204" pitchFamily="49" charset="0"/>
@@ -10580,7 +10636,36 @@
               <a:buNone/>
             </a:pPr>
             <a:r>
+              <a:rPr lang="hr-HR" altLang="sr-Latn-RS" sz="2400" dirty="0" smtClean="0">
+                <a:latin typeface="Consolas" panose="020B0609020204030204" pitchFamily="49" charset="0"/>
+                <a:cs typeface="Consolas" panose="020B0609020204030204" pitchFamily="49" charset="0"/>
+              </a:rPr>
+              <a:t>        IKeks </a:t>
+            </a:r>
+            <a:r>
               <a:rPr lang="hr-HR" altLang="sr-Latn-RS" sz="2400" dirty="0">
+                <a:solidFill>
+                  <a:srgbClr val="C00000"/>
+                </a:solidFill>
+                <a:latin typeface="Consolas" panose="020B0609020204030204" pitchFamily="49" charset="0"/>
+                <a:cs typeface="Consolas" panose="020B0609020204030204" pitchFamily="49" charset="0"/>
+              </a:rPr>
+              <a:t>napraviKeks();</a:t>
+            </a:r>
+            <a:r>
+              <a:rPr lang="hr-HR" altLang="sr-Latn-RS" sz="2400" dirty="0" smtClean="0">
+                <a:latin typeface="Consolas" panose="020B0609020204030204" pitchFamily="49" charset="0"/>
+                <a:cs typeface="Consolas" panose="020B0609020204030204" pitchFamily="49" charset="0"/>
+              </a:rPr>
+              <a:t>    </a:t>
+            </a:r>
+          </a:p>
+          <a:p>
+            <a:pPr marL="0" indent="0">
+              <a:buNone/>
+            </a:pPr>
+            <a:r>
+              <a:rPr lang="hr-HR" altLang="sr-Latn-RS" sz="2400" dirty="0">
                 <a:latin typeface="Consolas" panose="020B0609020204030204" pitchFamily="49" charset="0"/>
                 <a:cs typeface="Consolas" panose="020B0609020204030204" pitchFamily="49" charset="0"/>
               </a:rPr>
@@ -10591,125 +10676,15 @@
                 <a:latin typeface="Consolas" panose="020B0609020204030204" pitchFamily="49" charset="0"/>
                 <a:cs typeface="Consolas" panose="020B0609020204030204" pitchFamily="49" charset="0"/>
               </a:rPr>
-              <a:t>  }</a:t>
-            </a:r>
-            <a:endParaRPr lang="hr-HR" altLang="sr-Latn-RS" sz="2400" dirty="0">
-              <a:latin typeface="Consolas" panose="020B0609020204030204" pitchFamily="49" charset="0"/>
-              <a:cs typeface="Consolas" panose="020B0609020204030204" pitchFamily="49" charset="0"/>
-            </a:endParaRPr>
-          </a:p>
-          <a:p>
-            <a:pPr marL="0" indent="0">
-              <a:buNone/>
-            </a:pPr>
-            <a:r>
-              <a:rPr lang="hr-HR" altLang="sr-Latn-RS" sz="2400" dirty="0" smtClean="0">
-                <a:latin typeface="Consolas" panose="020B0609020204030204" pitchFamily="49" charset="0"/>
-                <a:cs typeface="Consolas" panose="020B0609020204030204" pitchFamily="49" charset="0"/>
-              </a:rPr>
-              <a:t>   </a:t>
-            </a:r>
-            <a:r>
-              <a:rPr lang="hr-HR" altLang="sr-Latn-RS" sz="2400" dirty="0">
-                <a:latin typeface="Consolas" panose="020B0609020204030204" pitchFamily="49" charset="0"/>
-                <a:cs typeface="Consolas" panose="020B0609020204030204" pitchFamily="49" charset="0"/>
-              </a:rPr>
-              <a:t>public </a:t>
-            </a:r>
-            <a:r>
-              <a:rPr lang="hr-HR" altLang="sr-Latn-RS" sz="2400" dirty="0" smtClean="0">
-                <a:latin typeface="Consolas" panose="020B0609020204030204" pitchFamily="49" charset="0"/>
-                <a:cs typeface="Consolas" panose="020B0609020204030204" pitchFamily="49" charset="0"/>
-              </a:rPr>
-              <a:t>IKeks </a:t>
-            </a:r>
-            <a:r>
-              <a:rPr lang="hr-HR" altLang="sr-Latn-RS" sz="2400" dirty="0" smtClean="0">
-                <a:solidFill>
-                  <a:srgbClr val="C00000"/>
-                </a:solidFill>
-                <a:latin typeface="Consolas" panose="020B0609020204030204" pitchFamily="49" charset="0"/>
-                <a:cs typeface="Consolas" panose="020B0609020204030204" pitchFamily="49" charset="0"/>
-              </a:rPr>
-              <a:t>napraviKeks()</a:t>
-            </a:r>
-            <a:endParaRPr lang="hr-HR" altLang="sr-Latn-RS" sz="2400" dirty="0">
-              <a:solidFill>
-                <a:srgbClr val="C00000"/>
-              </a:solidFill>
-              <a:latin typeface="Consolas" panose="020B0609020204030204" pitchFamily="49" charset="0"/>
-              <a:cs typeface="Consolas" panose="020B0609020204030204" pitchFamily="49" charset="0"/>
-            </a:endParaRPr>
-          </a:p>
-          <a:p>
-            <a:pPr marL="0" indent="0">
-              <a:buNone/>
-            </a:pPr>
-            <a:r>
-              <a:rPr lang="hr-HR" altLang="sr-Latn-RS" sz="2400" dirty="0">
-                <a:latin typeface="Consolas" panose="020B0609020204030204" pitchFamily="49" charset="0"/>
-                <a:cs typeface="Consolas" panose="020B0609020204030204" pitchFamily="49" charset="0"/>
-              </a:rPr>
-              <a:t>   { </a:t>
-            </a:r>
-          </a:p>
-          <a:p>
-            <a:pPr marL="0" indent="0">
-              <a:buNone/>
-            </a:pPr>
-            <a:r>
-              <a:rPr lang="hr-HR" altLang="sr-Latn-RS" sz="2400" dirty="0">
-                <a:latin typeface="Consolas" panose="020B0609020204030204" pitchFamily="49" charset="0"/>
-                <a:cs typeface="Consolas" panose="020B0609020204030204" pitchFamily="49" charset="0"/>
-              </a:rPr>
-              <a:t>      return new </a:t>
-            </a:r>
-            <a:r>
-              <a:rPr lang="hr-HR" altLang="sr-Latn-RS" sz="2400" dirty="0" smtClean="0">
-                <a:latin typeface="Consolas" panose="020B0609020204030204" pitchFamily="49" charset="0"/>
-                <a:cs typeface="Consolas" panose="020B0609020204030204" pitchFamily="49" charset="0"/>
-              </a:rPr>
-              <a:t>LjubičastiKeks();</a:t>
-            </a:r>
-            <a:endParaRPr lang="hr-HR" altLang="sr-Latn-RS" sz="2400" dirty="0">
-              <a:latin typeface="Consolas" panose="020B0609020204030204" pitchFamily="49" charset="0"/>
-              <a:cs typeface="Consolas" panose="020B0609020204030204" pitchFamily="49" charset="0"/>
-            </a:endParaRPr>
-          </a:p>
-          <a:p>
-            <a:pPr marL="0" indent="0">
-              <a:buNone/>
-            </a:pPr>
-            <a:r>
-              <a:rPr lang="hr-HR" altLang="sr-Latn-RS" sz="2400" dirty="0">
-                <a:latin typeface="Consolas" panose="020B0609020204030204" pitchFamily="49" charset="0"/>
-                <a:cs typeface="Consolas" panose="020B0609020204030204" pitchFamily="49" charset="0"/>
-              </a:rPr>
               <a:t>   }</a:t>
             </a:r>
-          </a:p>
-          <a:p>
-            <a:pPr marL="0" indent="0">
-              <a:buNone/>
-            </a:pPr>
-            <a:r>
-              <a:rPr lang="hr-HR" altLang="sr-Latn-RS" sz="2400" dirty="0" smtClean="0">
-                <a:latin typeface="Consolas" panose="020B0609020204030204" pitchFamily="49" charset="0"/>
-                <a:cs typeface="Consolas" panose="020B0609020204030204" pitchFamily="49" charset="0"/>
-              </a:rPr>
-              <a:t>}</a:t>
-            </a:r>
-            <a:endParaRPr lang="hr-HR" altLang="sr-Latn-RS" sz="2400" dirty="0" smtClean="0">
-              <a:latin typeface="Consolas" panose="020B0609020204030204" pitchFamily="49" charset="0"/>
-              <a:cs typeface="Consolas" panose="020B0609020204030204" pitchFamily="49" charset="0"/>
-            </a:endParaRPr>
           </a:p>
         </p:txBody>
       </p:sp>
     </p:spTree>
     <p:extLst>
       <p:ext uri="{BB962C8B-B14F-4D97-AF65-F5344CB8AC3E}">
-        <p14:creationId xmlns:p14="http://schemas.microsoft.com/office/powerpoint/2010/main" val="1770708493"/>
+        <p14:creationId xmlns:p14="http://schemas.microsoft.com/office/powerpoint/2010/main" val="1663760597"/>
       </p:ext>
     </p:extLst>
   </p:cSld>
@@ -10719,6 +10694,13 @@
   <p:transition>
     <p:fade thruBlk="1"/>
   </p:transition>
+  <p:timing>
+    <p:tnLst>
+      <p:par>
+        <p:cTn id="1" dur="indefinite" restart="never" nodeType="tmRoot"/>
+      </p:par>
+    </p:tnLst>
+  </p:timing>
 </p:sld>
 </file>
 
@@ -10808,7 +10790,7 @@
                 <a:latin typeface="Consolas" panose="020B0609020204030204" pitchFamily="49" charset="0"/>
                 <a:cs typeface="Consolas" panose="020B0609020204030204" pitchFamily="49" charset="0"/>
               </a:rPr>
-              <a:t>CrvenaTvornicaSlatkiša </a:t>
+              <a:t>LjubičastaTvornicaSlatkiša </a:t>
             </a:r>
             <a:r>
               <a:rPr lang="hr-HR" altLang="sr-Latn-RS" sz="2400" dirty="0" smtClean="0">
@@ -10915,21 +10897,7 @@
                 <a:latin typeface="Consolas" panose="020B0609020204030204" pitchFamily="49" charset="0"/>
                 <a:cs typeface="Consolas" panose="020B0609020204030204" pitchFamily="49" charset="0"/>
               </a:rPr>
-              <a:t>      return new </a:t>
-            </a:r>
-            <a:r>
-              <a:rPr lang="hr-HR" altLang="sr-Latn-RS" sz="2400" dirty="0" smtClean="0">
-                <a:latin typeface="Consolas" panose="020B0609020204030204" pitchFamily="49" charset="0"/>
-                <a:cs typeface="Consolas" panose="020B0609020204030204" pitchFamily="49" charset="0"/>
-              </a:rPr>
-              <a:t>CrvenaČokolada</a:t>
-            </a:r>
-            <a:r>
-              <a:rPr lang="hr-HR" altLang="sr-Latn-RS" sz="2400" dirty="0">
-                <a:latin typeface="Consolas" panose="020B0609020204030204" pitchFamily="49" charset="0"/>
-                <a:cs typeface="Consolas" panose="020B0609020204030204" pitchFamily="49" charset="0"/>
-              </a:rPr>
-              <a:t>();</a:t>
+              <a:t>      return new LjubičastaČokolada();</a:t>
             </a:r>
             <a:endParaRPr lang="hr-HR" altLang="sr-Latn-RS" sz="2400" dirty="0" smtClean="0">
               <a:latin typeface="Consolas" panose="020B0609020204030204" pitchFamily="49" charset="0"/>
@@ -11030,7 +10998,7 @@
                 <a:latin typeface="Consolas" panose="020B0609020204030204" pitchFamily="49" charset="0"/>
                 <a:cs typeface="Consolas" panose="020B0609020204030204" pitchFamily="49" charset="0"/>
               </a:rPr>
-              <a:t>CrveniKeks();</a:t>
+              <a:t>LjubičastiKeks();</a:t>
             </a:r>
             <a:endParaRPr lang="hr-HR" altLang="sr-Latn-RS" sz="2400" dirty="0">
               <a:latin typeface="Consolas" panose="020B0609020204030204" pitchFamily="49" charset="0"/>
@@ -11060,10 +11028,370 @@
               </a:rPr>
               <a:t>}</a:t>
             </a:r>
+          </a:p>
+        </p:txBody>
+      </p:sp>
+    </p:spTree>
+    <p:extLst>
+      <p:ext uri="{BB962C8B-B14F-4D97-AF65-F5344CB8AC3E}">
+        <p14:creationId xmlns:p14="http://schemas.microsoft.com/office/powerpoint/2010/main" val="1770708493"/>
+      </p:ext>
+    </p:extLst>
+  </p:cSld>
+  <p:clrMapOvr>
+    <a:masterClrMapping/>
+  </p:clrMapOvr>
+  <p:transition>
+    <p:fade thruBlk="1"/>
+  </p:transition>
+  <p:timing>
+    <p:tnLst>
+      <p:par>
+        <p:cTn id="1" dur="indefinite" restart="never" nodeType="tmRoot"/>
+      </p:par>
+    </p:tnLst>
+  </p:timing>
+</p:sld>
+</file>
+
+<file path=ppt/slides/slide18.xml><?xml version="1.0" encoding="utf-8"?>
+<p:sld xmlns:a="http://schemas.openxmlformats.org/drawingml/2006/main" xmlns:r="http://schemas.openxmlformats.org/officeDocument/2006/relationships" xmlns:p="http://schemas.openxmlformats.org/presentationml/2006/main">
+  <p:cSld>
+    <p:spTree>
+      <p:nvGrpSpPr>
+        <p:cNvPr id="1" name=""/>
+        <p:cNvGrpSpPr/>
+        <p:nvPr/>
+      </p:nvGrpSpPr>
+      <p:grpSpPr>
+        <a:xfrm>
+          <a:off x="0" y="0"/>
+          <a:ext cx="0" cy="0"/>
+          <a:chOff x="0" y="0"/>
+          <a:chExt cx="0" cy="0"/>
+        </a:xfrm>
+      </p:grpSpPr>
+      <p:sp>
+        <p:nvSpPr>
+          <p:cNvPr id="2" name="Title 1"/>
+          <p:cNvSpPr>
+            <a:spLocks noGrp="1"/>
+          </p:cNvSpPr>
+          <p:nvPr>
+            <p:ph type="title"/>
+          </p:nvPr>
+        </p:nvSpPr>
+        <p:spPr>
+          <a:xfrm>
+            <a:off x="685800" y="404664"/>
+            <a:ext cx="7772400" cy="659160"/>
+          </a:xfrm>
+        </p:spPr>
+        <p:txBody>
+          <a:bodyPr/>
+          <a:lstStyle/>
+          <a:p>
+            <a:pPr>
+              <a:defRPr/>
+            </a:pPr>
+            <a:r>
+              <a:rPr lang="hr-HR" sz="3200" dirty="0" smtClean="0"/>
+              <a:t>Primjer koda u C# jeziku i .NET okružanju</a:t>
+            </a:r>
+            <a:endParaRPr lang="hr-HR" sz="3200" dirty="0"/>
+          </a:p>
+        </p:txBody>
+      </p:sp>
+      <p:sp>
+        <p:nvSpPr>
+          <p:cNvPr id="26627" name="Content Placeholder 2"/>
+          <p:cNvSpPr>
+            <a:spLocks noGrp="1"/>
+          </p:cNvSpPr>
+          <p:nvPr>
+            <p:ph sz="quarter" idx="10"/>
+          </p:nvPr>
+        </p:nvSpPr>
+        <p:spPr>
+          <a:xfrm>
+            <a:off x="684213" y="1340768"/>
+            <a:ext cx="7775575" cy="5328320"/>
+          </a:xfrm>
+        </p:spPr>
+        <p:txBody>
+          <a:bodyPr/>
+          <a:lstStyle/>
+          <a:p>
+            <a:pPr marL="0" indent="0">
+              <a:buNone/>
+            </a:pPr>
+            <a:r>
+              <a:rPr lang="hr-HR" altLang="sr-Latn-RS" sz="2400" dirty="0">
+                <a:latin typeface="Consolas" panose="020B0609020204030204" pitchFamily="49" charset="0"/>
+                <a:cs typeface="Consolas" panose="020B0609020204030204" pitchFamily="49" charset="0"/>
+              </a:rPr>
+              <a:t>class </a:t>
+            </a:r>
+            <a:r>
+              <a:rPr lang="hr-HR" altLang="sr-Latn-RS" sz="2400" dirty="0" smtClean="0">
+                <a:solidFill>
+                  <a:srgbClr val="C00000"/>
+                </a:solidFill>
+                <a:latin typeface="Consolas" panose="020B0609020204030204" pitchFamily="49" charset="0"/>
+                <a:cs typeface="Consolas" panose="020B0609020204030204" pitchFamily="49" charset="0"/>
+              </a:rPr>
+              <a:t>CrvenaTvornicaSlatkiša </a:t>
+            </a:r>
+            <a:r>
+              <a:rPr lang="hr-HR" altLang="sr-Latn-RS" sz="2400" dirty="0" smtClean="0">
+                <a:latin typeface="Consolas" panose="020B0609020204030204" pitchFamily="49" charset="0"/>
+                <a:cs typeface="Consolas" panose="020B0609020204030204" pitchFamily="49" charset="0"/>
+              </a:rPr>
+              <a:t>:   							</a:t>
+            </a:r>
+            <a:r>
+              <a:rPr lang="hr-HR" altLang="sr-Latn-RS" sz="2400" dirty="0" smtClean="0">
+                <a:solidFill>
+                  <a:srgbClr val="C00000"/>
+                </a:solidFill>
+                <a:latin typeface="Consolas" panose="020B0609020204030204" pitchFamily="49" charset="0"/>
+                <a:cs typeface="Consolas" panose="020B0609020204030204" pitchFamily="49" charset="0"/>
+              </a:rPr>
+              <a:t>ITvornicaSlatkiša</a:t>
+            </a:r>
+            <a:endParaRPr lang="hr-HR" altLang="sr-Latn-RS" sz="2400" dirty="0">
+              <a:solidFill>
+                <a:srgbClr val="C00000"/>
+              </a:solidFill>
+              <a:latin typeface="Consolas" panose="020B0609020204030204" pitchFamily="49" charset="0"/>
+              <a:cs typeface="Consolas" panose="020B0609020204030204" pitchFamily="49" charset="0"/>
+            </a:endParaRPr>
+          </a:p>
+          <a:p>
+            <a:pPr marL="0" indent="0">
+              <a:buNone/>
+            </a:pPr>
+            <a:r>
+              <a:rPr lang="hr-HR" altLang="sr-Latn-RS" sz="2400" dirty="0" smtClean="0">
+                <a:latin typeface="Consolas" panose="020B0609020204030204" pitchFamily="49" charset="0"/>
+                <a:cs typeface="Consolas" panose="020B0609020204030204" pitchFamily="49" charset="0"/>
+              </a:rPr>
+              <a:t>{</a:t>
+            </a:r>
+            <a:endParaRPr lang="hr-HR" altLang="sr-Latn-RS" sz="2400" dirty="0">
+              <a:latin typeface="Consolas" panose="020B0609020204030204" pitchFamily="49" charset="0"/>
+              <a:cs typeface="Consolas" panose="020B0609020204030204" pitchFamily="49" charset="0"/>
+            </a:endParaRPr>
+          </a:p>
+          <a:p>
+            <a:pPr marL="0" indent="0">
+              <a:buNone/>
+            </a:pPr>
+            <a:r>
+              <a:rPr lang="hr-HR" altLang="sr-Latn-RS" sz="2400" dirty="0" smtClean="0">
+                <a:latin typeface="Consolas" panose="020B0609020204030204" pitchFamily="49" charset="0"/>
+                <a:cs typeface="Consolas" panose="020B0609020204030204" pitchFamily="49" charset="0"/>
+              </a:rPr>
+              <a:t>   </a:t>
+            </a:r>
+            <a:r>
+              <a:rPr lang="hr-HR" altLang="sr-Latn-RS" sz="2400" dirty="0">
+                <a:latin typeface="Consolas" panose="020B0609020204030204" pitchFamily="49" charset="0"/>
+                <a:cs typeface="Consolas" panose="020B0609020204030204" pitchFamily="49" charset="0"/>
+              </a:rPr>
+              <a:t>public </a:t>
+            </a:r>
+            <a:r>
+              <a:rPr lang="hr-HR" altLang="sr-Latn-RS" sz="2400" dirty="0" smtClean="0">
+                <a:latin typeface="Consolas" panose="020B0609020204030204" pitchFamily="49" charset="0"/>
+                <a:cs typeface="Consolas" panose="020B0609020204030204" pitchFamily="49" charset="0"/>
+              </a:rPr>
+              <a:t>IČokolada </a:t>
+            </a:r>
+            <a:r>
+              <a:rPr lang="hr-HR" altLang="sr-Latn-RS" sz="2400" dirty="0">
+                <a:solidFill>
+                  <a:srgbClr val="C00000"/>
+                </a:solidFill>
+                <a:latin typeface="Consolas" panose="020B0609020204030204" pitchFamily="49" charset="0"/>
+                <a:cs typeface="Consolas" panose="020B0609020204030204" pitchFamily="49" charset="0"/>
+              </a:rPr>
+              <a:t>napraviČokoladu()</a:t>
+            </a:r>
+          </a:p>
+          <a:p>
+            <a:pPr marL="0" indent="0">
+              <a:buNone/>
+            </a:pPr>
+            <a:r>
+              <a:rPr lang="hr-HR" altLang="sr-Latn-RS" sz="2400" dirty="0">
+                <a:latin typeface="Consolas" panose="020B0609020204030204" pitchFamily="49" charset="0"/>
+                <a:cs typeface="Consolas" panose="020B0609020204030204" pitchFamily="49" charset="0"/>
+              </a:rPr>
+              <a:t>  </a:t>
+            </a:r>
+            <a:r>
+              <a:rPr lang="hr-HR" altLang="sr-Latn-RS" sz="2400" dirty="0" smtClean="0">
+                <a:latin typeface="Consolas" panose="020B0609020204030204" pitchFamily="49" charset="0"/>
+                <a:cs typeface="Consolas" panose="020B0609020204030204" pitchFamily="49" charset="0"/>
+              </a:rPr>
+              <a:t> { </a:t>
+            </a:r>
+          </a:p>
+          <a:p>
+            <a:pPr marL="0" indent="0">
+              <a:buNone/>
+            </a:pPr>
+            <a:r>
+              <a:rPr lang="hr-HR" altLang="sr-Latn-RS" sz="2400" dirty="0">
+                <a:latin typeface="Consolas" panose="020B0609020204030204" pitchFamily="49" charset="0"/>
+                <a:cs typeface="Consolas" panose="020B0609020204030204" pitchFamily="49" charset="0"/>
+              </a:rPr>
+              <a:t>      return new </a:t>
+            </a:r>
+            <a:r>
+              <a:rPr lang="hr-HR" altLang="sr-Latn-RS" sz="2400" dirty="0" smtClean="0">
+                <a:latin typeface="Consolas" panose="020B0609020204030204" pitchFamily="49" charset="0"/>
+                <a:cs typeface="Consolas" panose="020B0609020204030204" pitchFamily="49" charset="0"/>
+              </a:rPr>
+              <a:t>CrvenaČokolada</a:t>
+            </a:r>
+            <a:r>
+              <a:rPr lang="hr-HR" altLang="sr-Latn-RS" sz="2400" dirty="0">
+                <a:latin typeface="Consolas" panose="020B0609020204030204" pitchFamily="49" charset="0"/>
+                <a:cs typeface="Consolas" panose="020B0609020204030204" pitchFamily="49" charset="0"/>
+              </a:rPr>
+              <a:t>();</a:t>
+            </a:r>
             <a:endParaRPr lang="hr-HR" altLang="sr-Latn-RS" sz="2400" dirty="0" smtClean="0">
               <a:latin typeface="Consolas" panose="020B0609020204030204" pitchFamily="49" charset="0"/>
               <a:cs typeface="Consolas" panose="020B0609020204030204" pitchFamily="49" charset="0"/>
             </a:endParaRPr>
+          </a:p>
+          <a:p>
+            <a:pPr marL="0" indent="0">
+              <a:buNone/>
+            </a:pPr>
+            <a:r>
+              <a:rPr lang="hr-HR" altLang="sr-Latn-RS" sz="2400" dirty="0">
+                <a:latin typeface="Consolas" panose="020B0609020204030204" pitchFamily="49" charset="0"/>
+                <a:cs typeface="Consolas" panose="020B0609020204030204" pitchFamily="49" charset="0"/>
+              </a:rPr>
+              <a:t> </a:t>
+            </a:r>
+            <a:r>
+              <a:rPr lang="hr-HR" altLang="sr-Latn-RS" sz="2400" dirty="0" smtClean="0">
+                <a:latin typeface="Consolas" panose="020B0609020204030204" pitchFamily="49" charset="0"/>
+                <a:cs typeface="Consolas" panose="020B0609020204030204" pitchFamily="49" charset="0"/>
+              </a:rPr>
+              <a:t>  }</a:t>
+            </a:r>
+            <a:endParaRPr lang="hr-HR" altLang="sr-Latn-RS" sz="2400" dirty="0">
+              <a:latin typeface="Consolas" panose="020B0609020204030204" pitchFamily="49" charset="0"/>
+              <a:cs typeface="Consolas" panose="020B0609020204030204" pitchFamily="49" charset="0"/>
+            </a:endParaRPr>
+          </a:p>
+          <a:p>
+            <a:pPr marL="0" indent="0">
+              <a:buNone/>
+            </a:pPr>
+            <a:r>
+              <a:rPr lang="hr-HR" altLang="sr-Latn-RS" sz="2400" dirty="0" smtClean="0">
+                <a:latin typeface="Consolas" panose="020B0609020204030204" pitchFamily="49" charset="0"/>
+                <a:cs typeface="Consolas" panose="020B0609020204030204" pitchFamily="49" charset="0"/>
+              </a:rPr>
+              <a:t>   </a:t>
+            </a:r>
+            <a:r>
+              <a:rPr lang="hr-HR" altLang="sr-Latn-RS" sz="2400" dirty="0">
+                <a:latin typeface="Consolas" panose="020B0609020204030204" pitchFamily="49" charset="0"/>
+                <a:cs typeface="Consolas" panose="020B0609020204030204" pitchFamily="49" charset="0"/>
+              </a:rPr>
+              <a:t>public </a:t>
+            </a:r>
+            <a:r>
+              <a:rPr lang="hr-HR" altLang="sr-Latn-RS" sz="2400" dirty="0" smtClean="0">
+                <a:latin typeface="Consolas" panose="020B0609020204030204" pitchFamily="49" charset="0"/>
+                <a:cs typeface="Consolas" panose="020B0609020204030204" pitchFamily="49" charset="0"/>
+              </a:rPr>
+              <a:t>IKeks </a:t>
+            </a:r>
+            <a:r>
+              <a:rPr lang="hr-HR" altLang="sr-Latn-RS" sz="2400" dirty="0" smtClean="0">
+                <a:solidFill>
+                  <a:srgbClr val="C00000"/>
+                </a:solidFill>
+                <a:latin typeface="Consolas" panose="020B0609020204030204" pitchFamily="49" charset="0"/>
+                <a:cs typeface="Consolas" panose="020B0609020204030204" pitchFamily="49" charset="0"/>
+              </a:rPr>
+              <a:t>napraviKeks()</a:t>
+            </a:r>
+            <a:endParaRPr lang="hr-HR" altLang="sr-Latn-RS" sz="2400" dirty="0">
+              <a:solidFill>
+                <a:srgbClr val="C00000"/>
+              </a:solidFill>
+              <a:latin typeface="Consolas" panose="020B0609020204030204" pitchFamily="49" charset="0"/>
+              <a:cs typeface="Consolas" panose="020B0609020204030204" pitchFamily="49" charset="0"/>
+            </a:endParaRPr>
+          </a:p>
+          <a:p>
+            <a:pPr marL="0" indent="0">
+              <a:buNone/>
+            </a:pPr>
+            <a:r>
+              <a:rPr lang="hr-HR" altLang="sr-Latn-RS" sz="2400" dirty="0">
+                <a:latin typeface="Consolas" panose="020B0609020204030204" pitchFamily="49" charset="0"/>
+                <a:cs typeface="Consolas" panose="020B0609020204030204" pitchFamily="49" charset="0"/>
+              </a:rPr>
+              <a:t>   { </a:t>
+            </a:r>
+          </a:p>
+          <a:p>
+            <a:pPr marL="0" indent="0">
+              <a:buNone/>
+            </a:pPr>
+            <a:r>
+              <a:rPr lang="hr-HR" altLang="sr-Latn-RS" sz="2400" dirty="0">
+                <a:latin typeface="Consolas" panose="020B0609020204030204" pitchFamily="49" charset="0"/>
+                <a:cs typeface="Consolas" panose="020B0609020204030204" pitchFamily="49" charset="0"/>
+              </a:rPr>
+              <a:t>      return new </a:t>
+            </a:r>
+            <a:r>
+              <a:rPr lang="hr-HR" altLang="sr-Latn-RS" sz="2400" dirty="0" smtClean="0">
+                <a:latin typeface="Consolas" panose="020B0609020204030204" pitchFamily="49" charset="0"/>
+                <a:cs typeface="Consolas" panose="020B0609020204030204" pitchFamily="49" charset="0"/>
+              </a:rPr>
+              <a:t>CrveniKeks();</a:t>
+            </a:r>
+            <a:endParaRPr lang="hr-HR" altLang="sr-Latn-RS" sz="2400" dirty="0">
+              <a:latin typeface="Consolas" panose="020B0609020204030204" pitchFamily="49" charset="0"/>
+              <a:cs typeface="Consolas" panose="020B0609020204030204" pitchFamily="49" charset="0"/>
+            </a:endParaRPr>
+          </a:p>
+          <a:p>
+            <a:pPr marL="0" indent="0">
+              <a:buNone/>
+            </a:pPr>
+            <a:r>
+              <a:rPr lang="hr-HR" altLang="sr-Latn-RS" sz="2400" dirty="0">
+                <a:latin typeface="Consolas" panose="020B0609020204030204" pitchFamily="49" charset="0"/>
+                <a:cs typeface="Consolas" panose="020B0609020204030204" pitchFamily="49" charset="0"/>
+              </a:rPr>
+              <a:t>   }</a:t>
+            </a:r>
+          </a:p>
+          <a:p>
+            <a:pPr marL="0" indent="0">
+              <a:buNone/>
+            </a:pPr>
+            <a:r>
+              <a:rPr lang="hr-HR" altLang="sr-Latn-RS" sz="2400" dirty="0" smtClean="0">
+                <a:latin typeface="Consolas" panose="020B0609020204030204" pitchFamily="49" charset="0"/>
+                <a:cs typeface="Consolas" panose="020B0609020204030204" pitchFamily="49" charset="0"/>
+              </a:rPr>
+              <a:t>}</a:t>
+            </a:r>
           </a:p>
         </p:txBody>
       </p:sp>
@@ -11080,6 +11408,140 @@
   <p:transition>
     <p:fade thruBlk="1"/>
   </p:transition>
+  <p:timing>
+    <p:tnLst>
+      <p:par>
+        <p:cTn id="1" dur="indefinite" restart="never" nodeType="tmRoot"/>
+      </p:par>
+    </p:tnLst>
+  </p:timing>
+</p:sld>
+</file>
+
+<file path=ppt/slides/slide19.xml><?xml version="1.0" encoding="utf-8"?>
+<p:sld xmlns:a="http://schemas.openxmlformats.org/drawingml/2006/main" xmlns:r="http://schemas.openxmlformats.org/officeDocument/2006/relationships" xmlns:p="http://schemas.openxmlformats.org/presentationml/2006/main">
+  <p:cSld>
+    <p:spTree>
+      <p:nvGrpSpPr>
+        <p:cNvPr id="1" name=""/>
+        <p:cNvGrpSpPr/>
+        <p:nvPr/>
+      </p:nvGrpSpPr>
+      <p:grpSpPr>
+        <a:xfrm>
+          <a:off x="0" y="0"/>
+          <a:ext cx="0" cy="0"/>
+          <a:chOff x="0" y="0"/>
+          <a:chExt cx="0" cy="0"/>
+        </a:xfrm>
+      </p:grpSpPr>
+      <p:sp>
+        <p:nvSpPr>
+          <p:cNvPr id="2" name="Title 1"/>
+          <p:cNvSpPr>
+            <a:spLocks noGrp="1"/>
+          </p:cNvSpPr>
+          <p:nvPr>
+            <p:ph type="title"/>
+          </p:nvPr>
+        </p:nvSpPr>
+        <p:spPr>
+          <a:xfrm>
+            <a:off x="685800" y="1196752"/>
+            <a:ext cx="7772400" cy="1008112"/>
+          </a:xfrm>
+        </p:spPr>
+        <p:txBody>
+          <a:bodyPr/>
+          <a:lstStyle/>
+          <a:p>
+            <a:pPr>
+              <a:defRPr/>
+            </a:pPr>
+            <a:r>
+              <a:rPr lang="hr-HR" sz="3600" dirty="0" smtClean="0"/>
+              <a:t>Hvala na pozornosti!</a:t>
+            </a:r>
+            <a:endParaRPr lang="hr-HR" sz="3600" dirty="0"/>
+          </a:p>
+        </p:txBody>
+      </p:sp>
+      <p:sp>
+        <p:nvSpPr>
+          <p:cNvPr id="26627" name="Content Placeholder 2"/>
+          <p:cNvSpPr>
+            <a:spLocks noGrp="1"/>
+          </p:cNvSpPr>
+          <p:nvPr>
+            <p:ph sz="quarter" idx="10"/>
+          </p:nvPr>
+        </p:nvSpPr>
+        <p:spPr>
+          <a:xfrm>
+            <a:off x="685800" y="3140968"/>
+            <a:ext cx="8206679" cy="1656184"/>
+          </a:xfrm>
+        </p:spPr>
+        <p:txBody>
+          <a:bodyPr/>
+          <a:lstStyle/>
+          <a:p>
+            <a:pPr marL="0" indent="0">
+              <a:buNone/>
+            </a:pPr>
+            <a:r>
+              <a:rPr lang="hr-HR" altLang="sr-Latn-RS" sz="2400" dirty="0" smtClean="0">
+                <a:latin typeface="Consolas" panose="020B0609020204030204" pitchFamily="49" charset="0"/>
+                <a:cs typeface="Consolas" panose="020B0609020204030204" pitchFamily="49" charset="0"/>
+              </a:rPr>
+              <a:t>Primjer koda i prezentaciju možete pronaći na </a:t>
+            </a:r>
+          </a:p>
+          <a:p>
+            <a:pPr marL="0" indent="0">
+              <a:buNone/>
+            </a:pPr>
+            <a:r>
+              <a:rPr lang="hr-HR" altLang="sr-Latn-RS" sz="2400" dirty="0" smtClean="0">
+                <a:latin typeface="Consolas" panose="020B0609020204030204" pitchFamily="49" charset="0"/>
+                <a:cs typeface="Consolas" panose="020B0609020204030204" pitchFamily="49" charset="0"/>
+              </a:rPr>
+              <a:t>https</a:t>
+            </a:r>
+            <a:r>
+              <a:rPr lang="hr-HR" altLang="sr-Latn-RS" sz="2400" dirty="0">
+                <a:latin typeface="Consolas" panose="020B0609020204030204" pitchFamily="49" charset="0"/>
+                <a:cs typeface="Consolas" panose="020B0609020204030204" pitchFamily="49" charset="0"/>
+              </a:rPr>
+              <a:t>://github.com/dejan-barusic/OOM-Abstract-Factory</a:t>
+            </a:r>
+            <a:endParaRPr lang="hr-HR" altLang="sr-Latn-RS" sz="2400" dirty="0" smtClean="0">
+              <a:latin typeface="Consolas" panose="020B0609020204030204" pitchFamily="49" charset="0"/>
+              <a:cs typeface="Consolas" panose="020B0609020204030204" pitchFamily="49" charset="0"/>
+            </a:endParaRPr>
+          </a:p>
+        </p:txBody>
+      </p:sp>
+    </p:spTree>
+    <p:extLst>
+      <p:ext uri="{BB962C8B-B14F-4D97-AF65-F5344CB8AC3E}">
+        <p14:creationId xmlns:p14="http://schemas.microsoft.com/office/powerpoint/2010/main" val="438742211"/>
+      </p:ext>
+    </p:extLst>
+  </p:cSld>
+  <p:clrMapOvr>
+    <a:masterClrMapping/>
+  </p:clrMapOvr>
+  <p:transition>
+    <p:fade thruBlk="1"/>
+  </p:transition>
+  <p:timing>
+    <p:tnLst>
+      <p:par>
+        <p:cTn id="1" dur="indefinite" restart="never" nodeType="tmRoot"/>
+      </p:par>
+    </p:tnLst>
+  </p:timing>
 </p:sld>
 </file>
 
@@ -11350,7 +11812,7 @@
       </p:grpSpPr>
       <p:sp>
         <p:nvSpPr>
-          <p:cNvPr id="423938" name="Rectangle 2"/>
+          <p:cNvPr id="421890" name="Rectangle 2"/>
           <p:cNvSpPr>
             <a:spLocks noGrp="1" noChangeArrowheads="1"/>
           </p:cNvSpPr>
@@ -11358,7 +11820,12 @@
             <p:ph type="title"/>
           </p:nvPr>
         </p:nvSpPr>
-        <p:spPr/>
+        <p:spPr>
+          <a:xfrm>
+            <a:off x="685800" y="188640"/>
+            <a:ext cx="7772400" cy="1143000"/>
+          </a:xfrm>
+        </p:spPr>
         <p:txBody>
           <a:bodyPr/>
           <a:lstStyle/>
@@ -11367,23 +11834,28 @@
               <a:defRPr/>
             </a:pPr>
             <a:r>
-              <a:rPr lang="hr-HR" sz="4000" dirty="0" smtClean="0"/>
-              <a:t>Motivacija</a:t>
+              <a:rPr lang="en-US" sz="4000" dirty="0" err="1" smtClean="0"/>
+              <a:t>Apstarktna</a:t>
             </a:r>
             <a:r>
               <a:rPr lang="en-US" sz="4000" dirty="0" smtClean="0"/>
               <a:t> </a:t>
             </a:r>
             <a:r>
-              <a:rPr lang="hr-HR" sz="4000" dirty="0" smtClean="0"/>
-              <a:t>uzorka</a:t>
-            </a:r>
-          </a:p>
-        </p:txBody>
-      </p:sp>
-      <p:sp>
-        <p:nvSpPr>
-          <p:cNvPr id="11267" name="Rectangle 3"/>
+              <a:rPr lang="en-US" sz="4000" dirty="0" err="1" smtClean="0"/>
+              <a:t>tvornica</a:t>
+            </a:r>
+            <a:r>
+              <a:rPr lang="en-US" sz="4000" dirty="0" smtClean="0"/>
+              <a:t>	</a:t>
+            </a:r>
+            <a:endParaRPr lang="en-GB" sz="4000" dirty="0" smtClean="0"/>
+          </a:p>
+        </p:txBody>
+      </p:sp>
+      <p:sp>
+        <p:nvSpPr>
+          <p:cNvPr id="10243" name="Rectangle 3"/>
           <p:cNvSpPr>
             <a:spLocks noGrp="1" noChangeArrowheads="1"/>
           </p:cNvSpPr>
@@ -11391,7 +11863,12 @@
             <p:ph type="body" idx="4294967295"/>
           </p:nvPr>
         </p:nvSpPr>
-        <p:spPr/>
+        <p:spPr>
+          <a:xfrm>
+            <a:off x="685800" y="1628800"/>
+            <a:ext cx="7772400" cy="5112568"/>
+          </a:xfrm>
+        </p:spPr>
         <p:txBody>
           <a:bodyPr/>
           <a:lstStyle/>
@@ -11401,7 +11878,7 @@
             </a:pPr>
             <a:r>
               <a:rPr lang="hr-HR" altLang="sr-Latn-RS" dirty="0" smtClean="0"/>
-              <a:t>Uzmimo za primjer tvornicu slatkiša</a:t>
+              <a:t>Izolira klijenta od implementacije konkretnih klasa</a:t>
             </a:r>
           </a:p>
           <a:p>
@@ -11410,7 +11887,7 @@
             </a:pPr>
             <a:r>
               <a:rPr lang="hr-HR" altLang="sr-Latn-RS" dirty="0" smtClean="0"/>
-              <a:t>Tvornica proizvodi više kategorija proizvoda kao što su čokolade, keksi i slično</a:t>
+              <a:t>Omogućuje laku zamjenu familija objekata zamjenom samo konkretne tvornice</a:t>
             </a:r>
           </a:p>
           <a:p>
@@ -11419,12 +11896,24 @@
             </a:pPr>
             <a:r>
               <a:rPr lang="hr-HR" altLang="sr-Latn-RS" dirty="0" smtClean="0"/>
-              <a:t>Tvornica može u nekom trenutku promjeniti neki od recepata za svoje proizvode ili dodati nove proizvode</a:t>
-            </a:r>
+              <a:t>Dodavanje novih tipova produkata je problematično (potrebne izmjene sučelja apstraktne tvornice i izvedenih klasa)</a:t>
+            </a:r>
+            <a:endParaRPr lang="en-US" altLang="sr-Latn-RS" dirty="0" smtClean="0"/>
+          </a:p>
+          <a:p>
+            <a:pPr marL="569913" indent="-569913" eaLnBrk="1" hangingPunct="1">
+              <a:buSzTx/>
+            </a:pPr>
+            <a:endParaRPr lang="hr-HR" altLang="sr-Latn-RS" dirty="0" smtClean="0"/>
           </a:p>
         </p:txBody>
       </p:sp>
     </p:spTree>
+    <p:extLst>
+      <p:ext uri="{BB962C8B-B14F-4D97-AF65-F5344CB8AC3E}">
+        <p14:creationId xmlns:p14="http://schemas.microsoft.com/office/powerpoint/2010/main" val="460537038"/>
+      </p:ext>
+    </p:extLst>
   </p:cSld>
   <p:clrMapOvr>
     <a:masterClrMapping/>
@@ -11512,7 +12001,7 @@
             </a:pPr>
             <a:r>
               <a:rPr lang="hr-HR" altLang="sr-Latn-RS" dirty="0" smtClean="0"/>
-              <a:t>Različite tvornice slatkiša proizvode jednake kategorije proizvoda (čokolade, keksi...)</a:t>
+              <a:t>Uzmimo za primjer tvornicu slatkiša</a:t>
             </a:r>
           </a:p>
           <a:p>
@@ -11521,17 +12010,21 @@
             </a:pPr>
             <a:r>
               <a:rPr lang="hr-HR" altLang="sr-Latn-RS" dirty="0" smtClean="0"/>
-              <a:t>Sastav kategorija proizvoda različitih tvornica može varirati (postotak kakaa u čokoladi, arome, tajni sastojci...)</a:t>
+              <a:t>Tvornica proizvodi više kategorija proizvoda kao što su čokolade, keksi i slično</a:t>
+            </a:r>
+          </a:p>
+          <a:p>
+            <a:pPr marL="569913" indent="-569913" eaLnBrk="1" hangingPunct="1">
+              <a:buSzTx/>
+            </a:pPr>
+            <a:r>
+              <a:rPr lang="hr-HR" altLang="sr-Latn-RS" dirty="0" smtClean="0"/>
+              <a:t>Tvornica može u nekom trenutku promjeniti neki od recepata za svoje proizvode ili dodati nove proizvode</a:t>
             </a:r>
           </a:p>
         </p:txBody>
       </p:sp>
     </p:spTree>
-    <p:extLst>
-      <p:ext uri="{BB962C8B-B14F-4D97-AF65-F5344CB8AC3E}">
-        <p14:creationId xmlns:p14="http://schemas.microsoft.com/office/powerpoint/2010/main" val="955676914"/>
-      </p:ext>
-    </p:extLst>
   </p:cSld>
   <p:clrMapOvr>
     <a:masterClrMapping/>
@@ -11609,6 +12102,113 @@
             <p:ph type="body" idx="4294967295"/>
           </p:nvPr>
         </p:nvSpPr>
+        <p:spPr/>
+        <p:txBody>
+          <a:bodyPr/>
+          <a:lstStyle/>
+          <a:p>
+            <a:pPr marL="569913" indent="-569913" eaLnBrk="1" hangingPunct="1">
+              <a:buSzTx/>
+            </a:pPr>
+            <a:r>
+              <a:rPr lang="hr-HR" altLang="sr-Latn-RS" dirty="0" smtClean="0"/>
+              <a:t>Različite tvornice slatkiša proizvode jednake kategorije proizvoda (čokolade, keksi...)</a:t>
+            </a:r>
+          </a:p>
+          <a:p>
+            <a:pPr marL="569913" indent="-569913" eaLnBrk="1" hangingPunct="1">
+              <a:buSzTx/>
+            </a:pPr>
+            <a:r>
+              <a:rPr lang="hr-HR" altLang="sr-Latn-RS" dirty="0" smtClean="0"/>
+              <a:t>Sastav kategorija proizvoda različitih tvornica može varirati (postotak kakaa u čokoladi, arome, tajni sastojci...)</a:t>
+            </a:r>
+          </a:p>
+        </p:txBody>
+      </p:sp>
+    </p:spTree>
+    <p:extLst>
+      <p:ext uri="{BB962C8B-B14F-4D97-AF65-F5344CB8AC3E}">
+        <p14:creationId xmlns:p14="http://schemas.microsoft.com/office/powerpoint/2010/main" val="955676914"/>
+      </p:ext>
+    </p:extLst>
+  </p:cSld>
+  <p:clrMapOvr>
+    <a:masterClrMapping/>
+  </p:clrMapOvr>
+  <p:transition>
+    <p:fade thruBlk="1"/>
+  </p:transition>
+  <p:timing>
+    <p:tnLst>
+      <p:par>
+        <p:cTn id="1" dur="indefinite" restart="never" nodeType="tmRoot"/>
+      </p:par>
+    </p:tnLst>
+  </p:timing>
+</p:sld>
+</file>
+
+<file path=ppt/slides/slide6.xml><?xml version="1.0" encoding="utf-8"?>
+<p:sld xmlns:a="http://schemas.openxmlformats.org/drawingml/2006/main" xmlns:r="http://schemas.openxmlformats.org/officeDocument/2006/relationships" xmlns:p="http://schemas.openxmlformats.org/presentationml/2006/main" showMasterSp="0">
+  <p:cSld>
+    <p:spTree>
+      <p:nvGrpSpPr>
+        <p:cNvPr id="1" name=""/>
+        <p:cNvGrpSpPr/>
+        <p:nvPr/>
+      </p:nvGrpSpPr>
+      <p:grpSpPr>
+        <a:xfrm>
+          <a:off x="0" y="0"/>
+          <a:ext cx="0" cy="0"/>
+          <a:chOff x="0" y="0"/>
+          <a:chExt cx="0" cy="0"/>
+        </a:xfrm>
+      </p:grpSpPr>
+      <p:sp>
+        <p:nvSpPr>
+          <p:cNvPr id="423938" name="Rectangle 2"/>
+          <p:cNvSpPr>
+            <a:spLocks noGrp="1" noChangeArrowheads="1"/>
+          </p:cNvSpPr>
+          <p:nvPr>
+            <p:ph type="title"/>
+          </p:nvPr>
+        </p:nvSpPr>
+        <p:spPr/>
+        <p:txBody>
+          <a:bodyPr/>
+          <a:lstStyle/>
+          <a:p>
+            <a:pPr eaLnBrk="1" hangingPunct="1">
+              <a:defRPr/>
+            </a:pPr>
+            <a:r>
+              <a:rPr lang="hr-HR" sz="4000" dirty="0" smtClean="0"/>
+              <a:t>Motivacija</a:t>
+            </a:r>
+            <a:r>
+              <a:rPr lang="en-US" sz="4000" dirty="0" smtClean="0"/>
+              <a:t> </a:t>
+            </a:r>
+            <a:r>
+              <a:rPr lang="hr-HR" sz="4000" dirty="0" smtClean="0"/>
+              <a:t>uzorka</a:t>
+            </a:r>
+          </a:p>
+        </p:txBody>
+      </p:sp>
+      <p:sp>
+        <p:nvSpPr>
+          <p:cNvPr id="11267" name="Rectangle 3"/>
+          <p:cNvSpPr>
+            <a:spLocks noGrp="1" noChangeArrowheads="1"/>
+          </p:cNvSpPr>
+          <p:nvPr>
+            <p:ph type="body" idx="4294967295"/>
+          </p:nvPr>
+        </p:nvSpPr>
         <p:spPr>
           <a:xfrm>
             <a:off x="685800" y="1700808"/>
@@ -11670,7 +12270,7 @@
 </p:sld>
 </file>
 
-<file path=ppt/slides/slide6.xml><?xml version="1.0" encoding="utf-8"?>
+<file path=ppt/slides/slide7.xml><?xml version="1.0" encoding="utf-8"?>
 <p:sld xmlns:a="http://schemas.openxmlformats.org/drawingml/2006/main" xmlns:r="http://schemas.openxmlformats.org/officeDocument/2006/relationships" xmlns:p="http://schemas.openxmlformats.org/presentationml/2006/main" showMasterSp="0">
   <p:cSld>
     <p:spTree>
@@ -11774,139 +12374,6 @@
 </p:sld>
 </file>
 
-<file path=ppt/slides/slide7.xml><?xml version="1.0" encoding="utf-8"?>
-<p:sld xmlns:a="http://schemas.openxmlformats.org/drawingml/2006/main" xmlns:r="http://schemas.openxmlformats.org/officeDocument/2006/relationships" xmlns:p="http://schemas.openxmlformats.org/presentationml/2006/main">
-  <p:cSld>
-    <p:spTree>
-      <p:nvGrpSpPr>
-        <p:cNvPr id="1" name=""/>
-        <p:cNvGrpSpPr/>
-        <p:nvPr/>
-      </p:nvGrpSpPr>
-      <p:grpSpPr>
-        <a:xfrm>
-          <a:off x="0" y="0"/>
-          <a:ext cx="0" cy="0"/>
-          <a:chOff x="0" y="0"/>
-          <a:chExt cx="0" cy="0"/>
-        </a:xfrm>
-      </p:grpSpPr>
-      <p:sp>
-        <p:nvSpPr>
-          <p:cNvPr id="2" name="Title 1"/>
-          <p:cNvSpPr>
-            <a:spLocks noGrp="1"/>
-          </p:cNvSpPr>
-          <p:nvPr>
-            <p:ph type="title"/>
-          </p:nvPr>
-        </p:nvSpPr>
-        <p:spPr>
-          <a:xfrm>
-            <a:off x="684213" y="188913"/>
-            <a:ext cx="7772400" cy="1143000"/>
-          </a:xfrm>
-        </p:spPr>
-        <p:txBody>
-          <a:bodyPr/>
-          <a:lstStyle/>
-          <a:p>
-            <a:pPr>
-              <a:defRPr/>
-            </a:pPr>
-            <a:r>
-              <a:rPr lang="hr-HR" dirty="0" smtClean="0"/>
-              <a:t>Sudionici </a:t>
-            </a:r>
-            <a:endParaRPr lang="hr-HR" dirty="0"/>
-          </a:p>
-        </p:txBody>
-      </p:sp>
-      <p:sp>
-        <p:nvSpPr>
-          <p:cNvPr id="17411" name="Content Placeholder 2"/>
-          <p:cNvSpPr>
-            <a:spLocks noGrp="1"/>
-          </p:cNvSpPr>
-          <p:nvPr>
-            <p:ph sz="quarter" idx="10"/>
-          </p:nvPr>
-        </p:nvSpPr>
-        <p:spPr>
-          <a:xfrm>
-            <a:off x="684213" y="1341438"/>
-            <a:ext cx="7775575" cy="4679950"/>
-          </a:xfrm>
-        </p:spPr>
-        <p:txBody>
-          <a:bodyPr/>
-          <a:lstStyle/>
-          <a:p>
-            <a:r>
-              <a:rPr lang="hr-HR" altLang="sr-Latn-RS" dirty="0" smtClean="0"/>
-              <a:t>AbstractFactory (</a:t>
-            </a:r>
-            <a:r>
-              <a:rPr lang="hr-HR" altLang="sr-Latn-RS" i="1" dirty="0" smtClean="0"/>
-              <a:t>ITvornicaSlatkiša</a:t>
-            </a:r>
-            <a:r>
-              <a:rPr lang="hr-HR" altLang="sr-Latn-RS" dirty="0" smtClean="0"/>
-              <a:t>) – sučelje sa metodama koje kreiraju apstraktne objekte (</a:t>
-            </a:r>
-            <a:r>
-              <a:rPr lang="hr-HR" altLang="sr-Latn-RS" i="1" dirty="0" smtClean="0"/>
-              <a:t>IČokolada, IKeks</a:t>
-            </a:r>
-            <a:r>
-              <a:rPr lang="hr-HR" altLang="sr-Latn-RS" dirty="0" smtClean="0"/>
-              <a:t>)</a:t>
-            </a:r>
-          </a:p>
-          <a:p>
-            <a:r>
-              <a:rPr lang="hr-HR" altLang="sr-Latn-RS" dirty="0" smtClean="0"/>
-              <a:t>ConcreteFactory (LjubičastaTvornica, CrvenaTvornica) – implementira metode za kreiranje stvarnih objekata</a:t>
-            </a:r>
-          </a:p>
-          <a:p>
-            <a:r>
-              <a:rPr lang="hr-HR" altLang="sr-Latn-RS" dirty="0" smtClean="0"/>
-              <a:t>AbstractProduct </a:t>
-            </a:r>
-            <a:r>
-              <a:rPr lang="hr-HR" altLang="sr-Latn-RS" dirty="0"/>
-              <a:t>(</a:t>
-            </a:r>
-            <a:r>
-              <a:rPr lang="hr-HR" altLang="sr-Latn-RS" i="1" dirty="0"/>
-              <a:t>IČokolada, IKeks</a:t>
-            </a:r>
-            <a:r>
-              <a:rPr lang="hr-HR" altLang="sr-Latn-RS" dirty="0"/>
-              <a:t>) </a:t>
-            </a:r>
-            <a:r>
-              <a:rPr lang="hr-HR" altLang="sr-Latn-RS" dirty="0" smtClean="0"/>
-              <a:t>– deklarira sučelje za pojedini tip objekta</a:t>
-            </a:r>
-          </a:p>
-          <a:p>
-            <a:endParaRPr lang="hr-HR" altLang="sr-Latn-RS" dirty="0" smtClean="0"/>
-          </a:p>
-        </p:txBody>
-      </p:sp>
-    </p:spTree>
-  </p:cSld>
-  <p:clrMapOvr>
-    <a:masterClrMapping/>
-  </p:clrMapOvr>
-  <p:transition>
-    <p:fade thruBlk="1"/>
-  </p:transition>
-</p:sld>
-</file>
-
 <file path=ppt/slides/slide8.xml><?xml version="1.0" encoding="utf-8"?>
 <p:sld xmlns:a="http://schemas.openxmlformats.org/drawingml/2006/main" xmlns:r="http://schemas.openxmlformats.org/officeDocument/2006/relationships" xmlns:p="http://schemas.openxmlformats.org/presentationml/2006/main">
   <p:cSld>
@@ -11934,7 +12401,12 @@
             <p:ph type="title"/>
           </p:nvPr>
         </p:nvSpPr>
-        <p:spPr/>
+        <p:spPr>
+          <a:xfrm>
+            <a:off x="684213" y="188913"/>
+            <a:ext cx="7772400" cy="1143000"/>
+          </a:xfrm>
+        </p:spPr>
         <p:txBody>
           <a:bodyPr/>
           <a:lstStyle/>
@@ -11952,7 +12424,7 @@
       </p:sp>
       <p:sp>
         <p:nvSpPr>
-          <p:cNvPr id="18435" name="Content Placeholder 2"/>
+          <p:cNvPr id="17411" name="Content Placeholder 2"/>
           <p:cNvSpPr>
             <a:spLocks noGrp="1"/>
           </p:cNvSpPr>
@@ -11962,8 +12434,8 @@
         </p:nvSpPr>
         <p:spPr>
           <a:xfrm>
-            <a:off x="684213" y="2133600"/>
-            <a:ext cx="7775575" cy="4535488"/>
+            <a:off x="684213" y="1341438"/>
+            <a:ext cx="7775575" cy="4679950"/>
           </a:xfrm>
         </p:spPr>
         <p:txBody>
@@ -11972,14 +12444,55 @@
           <a:p>
             <a:r>
               <a:rPr lang="hr-HR" altLang="sr-Latn-RS" dirty="0" smtClean="0"/>
-              <a:t>ConcreteProduct (LjubičastaČokolada, CrvenaČokolada, LjubičastiKeks, CrveniKeks) – definira objekt koji ce biti kreiran odgovarajućom klasom (ConcreteFactory)</a:t>
-            </a:r>
-          </a:p>
-          <a:p>
+              <a:t>AbstractFactory (</a:t>
+            </a:r>
+            <a:r>
+              <a:rPr lang="hr-HR" altLang="sr-Latn-RS" i="1" dirty="0" smtClean="0"/>
+              <a:t>ITvornicaSlatkiša</a:t>
+            </a:r>
             <a:r>
               <a:rPr lang="hr-HR" altLang="sr-Latn-RS" dirty="0" smtClean="0"/>
-              <a:t>TrgovinaSlatkiša (Client) – koristi samo sučelja deklarirana sa AbstractFactory i AbstractProduct klasama </a:t>
-            </a:r>
+              <a:t>) – sučelje sa metodama koje kreiraju apstraktne objekte (</a:t>
+            </a:r>
+            <a:r>
+              <a:rPr lang="hr-HR" altLang="sr-Latn-RS" i="1" dirty="0" smtClean="0"/>
+              <a:t>IČokolada, IKeks</a:t>
+            </a:r>
+            <a:r>
+              <a:rPr lang="hr-HR" altLang="sr-Latn-RS" dirty="0" smtClean="0"/>
+              <a:t>)</a:t>
+            </a:r>
+          </a:p>
+          <a:p>
+            <a:r>
+              <a:rPr lang="hr-HR" altLang="sr-Latn-RS" dirty="0" smtClean="0"/>
+              <a:t>ConcreteFactory (LjubičastaTvornica, CrvenaTvornica) – implementira metode za kreiranje stvarnih objekata</a:t>
+            </a:r>
+          </a:p>
+          <a:p>
+            <a:r>
+              <a:rPr lang="hr-HR" altLang="sr-Latn-RS" dirty="0" smtClean="0"/>
+              <a:t>AbstractProduct </a:t>
+            </a:r>
+            <a:r>
+              <a:rPr lang="hr-HR" altLang="sr-Latn-RS" dirty="0"/>
+              <a:t>(</a:t>
+            </a:r>
+            <a:r>
+              <a:rPr lang="hr-HR" altLang="sr-Latn-RS" i="1" dirty="0"/>
+              <a:t>IČokolada, IKeks</a:t>
+            </a:r>
+            <a:r>
+              <a:rPr lang="hr-HR" altLang="sr-Latn-RS" dirty="0"/>
+              <a:t>) </a:t>
+            </a:r>
+            <a:r>
+              <a:rPr lang="hr-HR" altLang="sr-Latn-RS" dirty="0" smtClean="0"/>
+              <a:t>– deklarira sučelje za pojedini tip objekta</a:t>
+            </a:r>
+          </a:p>
+          <a:p>
+            <a:endParaRPr lang="hr-HR" altLang="sr-Latn-RS" dirty="0" smtClean="0"/>
           </a:p>
         </p:txBody>
       </p:sp>
@@ -11991,6 +12504,13 @@
   <p:transition>
     <p:fade thruBlk="1"/>
   </p:transition>
+  <p:timing>
+    <p:tnLst>
+      <p:par>
+        <p:cTn id="1" dur="indefinite" restart="never" nodeType="tmRoot"/>
+      </p:par>
+    </p:tnLst>
+  </p:timing>
 </p:sld>
 </file>
 
@@ -12021,68 +12541,59 @@
             <p:ph type="title"/>
           </p:nvPr>
         </p:nvSpPr>
+        <p:spPr/>
+        <p:txBody>
+          <a:bodyPr/>
+          <a:lstStyle/>
+          <a:p>
+            <a:pPr>
+              <a:defRPr/>
+            </a:pPr>
+            <a:r>
+              <a:rPr lang="hr-HR" dirty="0" smtClean="0"/>
+              <a:t>Sudionici </a:t>
+            </a:r>
+            <a:endParaRPr lang="hr-HR" dirty="0"/>
+          </a:p>
+        </p:txBody>
+      </p:sp>
+      <p:sp>
+        <p:nvSpPr>
+          <p:cNvPr id="18435" name="Content Placeholder 2"/>
+          <p:cNvSpPr>
+            <a:spLocks noGrp="1"/>
+          </p:cNvSpPr>
+          <p:nvPr>
+            <p:ph sz="quarter" idx="10"/>
+          </p:nvPr>
+        </p:nvSpPr>
         <p:spPr>
           <a:xfrm>
-            <a:off x="684213" y="260350"/>
-            <a:ext cx="7772400" cy="1143000"/>
+            <a:off x="684213" y="2133600"/>
+            <a:ext cx="7775575" cy="4535488"/>
           </a:xfrm>
         </p:spPr>
         <p:txBody>
           <a:bodyPr/>
           <a:lstStyle/>
           <a:p>
-            <a:pPr>
-              <a:defRPr/>
-            </a:pPr>
-            <a:r>
-              <a:rPr lang="hr-HR" dirty="0" smtClean="0"/>
-              <a:t>Primjena uzorka</a:t>
-            </a:r>
-            <a:endParaRPr lang="hr-HR" dirty="0"/>
-          </a:p>
-        </p:txBody>
-      </p:sp>
-      <p:sp>
-        <p:nvSpPr>
-          <p:cNvPr id="23555" name="Content Placeholder 2"/>
-          <p:cNvSpPr>
-            <a:spLocks noGrp="1"/>
-          </p:cNvSpPr>
-          <p:nvPr>
-            <p:ph sz="quarter" idx="10"/>
-          </p:nvPr>
-        </p:nvSpPr>
-        <p:spPr>
-          <a:xfrm>
-            <a:off x="684213" y="1484313"/>
-            <a:ext cx="7775575" cy="4968875"/>
-          </a:xfrm>
-        </p:spPr>
-        <p:txBody>
-          <a:bodyPr/>
-          <a:lstStyle/>
-          <a:p>
-            <a:r>
-              <a:rPr lang="hr-HR" altLang="sr-Latn-RS" smtClean="0"/>
-              <a:t>Kada sustav treba biti neovisan o načinu kako su objekti kreirani, sastavljeni i predstavljeni</a:t>
-            </a:r>
-          </a:p>
-          <a:p>
-            <a:r>
-              <a:rPr lang="hr-HR" altLang="sr-Latn-RS" smtClean="0"/>
-              <a:t>Kada sustav treba biti konfiguriran sa više porodica objekata</a:t>
-            </a:r>
-          </a:p>
-          <a:p>
-            <a:r>
-              <a:rPr lang="hr-HR" altLang="sr-Latn-RS" smtClean="0"/>
-              <a:t>Kada su porodice povezanih objekata predviđene da funkcioniraju zajedno</a:t>
-            </a:r>
-          </a:p>
-          <a:p>
-            <a:r>
-              <a:rPr lang="hr-HR" altLang="sr-Latn-RS" smtClean="0"/>
-              <a:t>Kada želimo pružiti biblioteku klasa gdje  otkrivamo samo njihova sučelja  </a:t>
+            <a:r>
+              <a:rPr lang="hr-HR" altLang="sr-Latn-RS" dirty="0" smtClean="0"/>
+              <a:t>ConcreteProduct (LjubičastaČokolada, CrvenaČokolada, LjubičastiKeks, CrveniKeks) – definira objekt koji </a:t>
+            </a:r>
+            <a:r>
+              <a:rPr lang="hr-HR" altLang="sr-Latn-RS" dirty="0" smtClean="0"/>
+              <a:t>će </a:t>
+            </a:r>
+            <a:r>
+              <a:rPr lang="hr-HR" altLang="sr-Latn-RS" dirty="0" smtClean="0"/>
+              <a:t>biti kreiran odgovarajućom klasom (ConcreteFactory)</a:t>
+            </a:r>
+          </a:p>
+          <a:p>
+            <a:r>
+              <a:rPr lang="hr-HR" altLang="sr-Latn-RS" dirty="0" smtClean="0"/>
+              <a:t>TrgovinaSlatkiša (Client) – koristi samo sučelja deklarirana sa AbstractFactory i AbstractProduct klasama </a:t>
             </a:r>
           </a:p>
         </p:txBody>

--- a/Abstract Factory DB.pptx
+++ b/Abstract Factory DB.pptx
@@ -8251,9 +8251,24 @@
             <a:pPr eaLnBrk="1" hangingPunct="1"/>
             <a:r>
               <a:rPr lang="hr-HR" altLang="sr-Latn-RS" sz="4800" b="1" i="1" dirty="0" smtClean="0"/>
-              <a:t>Abstract Factory</a:t>
-            </a:r>
-            <a:endParaRPr lang="en-GB" altLang="sr-Latn-RS" sz="4800" b="1" i="1" dirty="0" smtClean="0"/>
+              <a:t>Abstract </a:t>
+            </a:r>
+            <a:r>
+              <a:rPr lang="hr-HR" altLang="sr-Latn-RS" sz="4800" b="1" i="1" dirty="0" smtClean="0"/>
+              <a:t>Factory</a:t>
+            </a:r>
+          </a:p>
+          <a:p>
+            <a:pPr eaLnBrk="1" hangingPunct="1"/>
+            <a:endParaRPr lang="hr-HR" altLang="sr-Latn-RS" sz="2000" b="1" i="1" dirty="0" smtClean="0"/>
+          </a:p>
+          <a:p>
+            <a:pPr eaLnBrk="1" hangingPunct="1"/>
+            <a:r>
+              <a:rPr lang="hr-HR" altLang="sr-Latn-RS" b="1" i="1" dirty="0" smtClean="0"/>
+              <a:t>Dejan Barušić</a:t>
+            </a:r>
+            <a:endParaRPr lang="en-GB" altLang="sr-Latn-RS" b="1" i="1" dirty="0" smtClean="0"/>
           </a:p>
         </p:txBody>
       </p:sp>
@@ -11582,7 +11597,15 @@
             </a:pPr>
             <a:r>
               <a:rPr lang="en-US" sz="4000" dirty="0" err="1" smtClean="0"/>
-              <a:t>Apstarktna</a:t>
+              <a:t>Apstr</a:t>
+            </a:r>
+            <a:r>
+              <a:rPr lang="hr-HR" sz="4000" dirty="0" smtClean="0"/>
+              <a:t>a</a:t>
+            </a:r>
+            <a:r>
+              <a:rPr lang="en-US" sz="4000" dirty="0" err="1" smtClean="0"/>
+              <a:t>ktna</a:t>
             </a:r>
             <a:r>
               <a:rPr lang="en-US" sz="4000" dirty="0" smtClean="0"/>
@@ -11671,7 +11694,7 @@
             </a:r>
             <a:r>
               <a:rPr lang="en-US" altLang="sr-Latn-RS" dirty="0" err="1" smtClean="0"/>
-              <a:t>stavaranje</a:t>
+              <a:t>stvaranje</a:t>
             </a:r>
             <a:r>
               <a:rPr lang="en-US" altLang="sr-Latn-RS" dirty="0" smtClean="0"/>
@@ -11835,7 +11858,15 @@
             </a:pPr>
             <a:r>
               <a:rPr lang="en-US" sz="4000" dirty="0" err="1" smtClean="0"/>
-              <a:t>Apstarktna</a:t>
+              <a:t>Apstr</a:t>
+            </a:r>
+            <a:r>
+              <a:rPr lang="hr-HR" sz="4000" dirty="0" smtClean="0"/>
+              <a:t>a</a:t>
+            </a:r>
+            <a:r>
+              <a:rPr lang="en-US" sz="4000" dirty="0" err="1" smtClean="0"/>
+              <a:t>ktna</a:t>
             </a:r>
             <a:r>
               <a:rPr lang="en-US" sz="4000" dirty="0" smtClean="0"/>
